--- a/document/microflow.pptx
+++ b/document/microflow.pptx
@@ -9,6 +9,8 @@
     <p:sldId id="257" r:id="rId3"/>
     <p:sldId id="258" r:id="rId4"/>
     <p:sldId id="259" r:id="rId5"/>
+    <p:sldId id="260" r:id="rId6"/>
+    <p:sldId id="261" r:id="rId7"/>
   </p:sldIdLst>
   <p:sldSz cx="12192000" cy="6858000"/>
   <p:notesSz cx="6858000" cy="9144000"/>
@@ -107,6 +109,11 @@
       </a:defRPr>
     </a:lvl9pPr>
   </p:defaultTextStyle>
+  <p:extLst>
+    <p:ext uri="{EFAFB233-063F-42B5-8137-9DF3F51BA10A}">
+      <p15:sldGuideLst xmlns:p15="http://schemas.microsoft.com/office/powerpoint/2012/main"/>
+    </p:ext>
+  </p:extLst>
 </p:presentation>
 </file>
 
@@ -2982,7 +2989,11 @@
           <a:bodyPr/>
           <a:lstStyle/>
           <a:p>
-            <a:endParaRPr lang="zh-CN" altLang="en-US"/>
+            <a:r>
+              <a:rPr lang="en-US" altLang="zh-CN" dirty="0" err="1" smtClean="0"/>
+              <a:t>MicroFlow</a:t>
+            </a:r>
+            <a:endParaRPr lang="zh-CN" altLang="en-US" dirty="0"/>
           </a:p>
         </p:txBody>
       </p:sp>
@@ -3001,7 +3012,11 @@
           <a:bodyPr/>
           <a:lstStyle/>
           <a:p>
-            <a:endParaRPr lang="zh-CN" altLang="en-US"/>
+            <a:r>
+              <a:rPr lang="en-US" altLang="zh-CN" dirty="0" smtClean="0"/>
+              <a:t>2018.12.13</a:t>
+            </a:r>
+            <a:endParaRPr lang="zh-CN" altLang="en-US" dirty="0"/>
           </a:p>
         </p:txBody>
       </p:sp>
@@ -5584,7 +5599,39 @@
             </a:r>
             <a:r>
               <a:rPr lang="zh-CN" altLang="en-US" dirty="0" smtClean="0"/>
-              <a:t>中不同流的需求程度是不同的，可以与后续的计算重叠</a:t>
+              <a:t>中</a:t>
+            </a:r>
+            <a:r>
+              <a:rPr lang="zh-CN" altLang="en-US" dirty="0" smtClean="0"/>
+              <a:t>不同</a:t>
+            </a:r>
+            <a:r>
+              <a:rPr lang="en-US" altLang="zh-CN" dirty="0" smtClean="0"/>
+              <a:t>flow</a:t>
+            </a:r>
+            <a:r>
+              <a:rPr lang="zh-CN" altLang="en-US" dirty="0" smtClean="0"/>
+              <a:t>的</a:t>
+            </a:r>
+            <a:r>
+              <a:rPr lang="zh-CN" altLang="en-US" dirty="0" smtClean="0"/>
+              <a:t>需求程度是不同的</a:t>
+            </a:r>
+            <a:r>
+              <a:rPr lang="zh-CN" altLang="en-US" dirty="0" smtClean="0"/>
+              <a:t>，有些</a:t>
+            </a:r>
+            <a:r>
+              <a:rPr lang="en-US" altLang="zh-CN" dirty="0" smtClean="0"/>
+              <a:t>flow</a:t>
+            </a:r>
+            <a:r>
+              <a:rPr lang="zh-CN" altLang="en-US" dirty="0" smtClean="0"/>
+              <a:t>可以</a:t>
+            </a:r>
+            <a:r>
+              <a:rPr lang="zh-CN" altLang="en-US" dirty="0" smtClean="0"/>
+              <a:t>与后续的计算重叠</a:t>
             </a:r>
             <a:endParaRPr lang="zh-CN" altLang="en-US" dirty="0"/>
           </a:p>
@@ -5674,8 +5721,20 @@
           <a:p>
             <a:r>
               <a:rPr lang="zh-CN" altLang="en-US" dirty="0"/>
-              <a:t>图计算</a:t>
-            </a:r>
+              <a:t>图</a:t>
+            </a:r>
+            <a:r>
+              <a:rPr lang="zh-CN" altLang="en-US" dirty="0" smtClean="0"/>
+              <a:t>计算</a:t>
+            </a:r>
+            <a:endParaRPr lang="en-US" altLang="zh-CN" dirty="0" smtClean="0"/>
+          </a:p>
+          <a:p>
+            <a:r>
+              <a:rPr lang="en-US" altLang="zh-CN" dirty="0"/>
+              <a:t>……</a:t>
+            </a:r>
+            <a:endParaRPr lang="zh-CN" altLang="en-US" dirty="0"/>
           </a:p>
         </p:txBody>
       </p:sp>
@@ -5749,8 +5808,38 @@
           <a:p>
             <a:r>
               <a:rPr lang="zh-CN" altLang="en-US" dirty="0" smtClean="0"/>
-              <a:t>携带更多应用信息的流抽象</a:t>
-            </a:r>
+              <a:t>携带更多应用信息的流</a:t>
+            </a:r>
+            <a:r>
+              <a:rPr lang="zh-CN" altLang="en-US" dirty="0" smtClean="0"/>
+              <a:t>抽象</a:t>
+            </a:r>
+            <a:endParaRPr lang="en-US" altLang="zh-CN" dirty="0" smtClean="0"/>
+          </a:p>
+          <a:p>
+            <a:r>
+              <a:rPr lang="zh-CN" altLang="en-US" dirty="0" smtClean="0"/>
+              <a:t>一个</a:t>
+            </a:r>
+            <a:r>
+              <a:rPr lang="en-US" altLang="zh-CN" dirty="0" smtClean="0"/>
+              <a:t>MF</a:t>
+            </a:r>
+            <a:r>
+              <a:rPr lang="zh-CN" altLang="en-US" dirty="0" smtClean="0"/>
+              <a:t>是机器上开始一部分计算所需要的全部的</a:t>
+            </a:r>
+            <a:r>
+              <a:rPr lang="en-US" altLang="zh-CN" dirty="0" smtClean="0"/>
+              <a:t>flow</a:t>
+            </a:r>
+            <a:r>
+              <a:rPr lang="zh-CN" altLang="en-US" dirty="0" smtClean="0"/>
+              <a:t>的集合</a:t>
+            </a:r>
+            <a:endParaRPr lang="en-US" altLang="zh-CN" dirty="0" smtClean="0"/>
+          </a:p>
+          <a:p>
             <a:endParaRPr lang="zh-CN" altLang="en-US" dirty="0"/>
           </a:p>
         </p:txBody>
@@ -5759,6 +5848,283 @@
     <p:extLst>
       <p:ext uri="{BB962C8B-B14F-4D97-AF65-F5344CB8AC3E}">
         <p14:creationId xmlns:p14="http://schemas.microsoft.com/office/powerpoint/2010/main" val="941925385"/>
+      </p:ext>
+    </p:extLst>
+  </p:cSld>
+  <p:clrMapOvr>
+    <a:masterClrMapping/>
+  </p:clrMapOvr>
+</p:sld>
+</file>
+
+<file path=ppt/slides/slide5.xml><?xml version="1.0" encoding="utf-8"?>
+<p:sld xmlns:a="http://schemas.openxmlformats.org/drawingml/2006/main" xmlns:r="http://schemas.openxmlformats.org/officeDocument/2006/relationships" xmlns:p="http://schemas.openxmlformats.org/presentationml/2006/main">
+  <p:cSld>
+    <p:spTree>
+      <p:nvGrpSpPr>
+        <p:cNvPr id="1" name=""/>
+        <p:cNvGrpSpPr/>
+        <p:nvPr/>
+      </p:nvGrpSpPr>
+      <p:grpSpPr>
+        <a:xfrm>
+          <a:off x="0" y="0"/>
+          <a:ext cx="0" cy="0"/>
+          <a:chOff x="0" y="0"/>
+          <a:chExt cx="0" cy="0"/>
+        </a:xfrm>
+      </p:grpSpPr>
+      <p:sp>
+        <p:nvSpPr>
+          <p:cNvPr id="2" name="标题 1"/>
+          <p:cNvSpPr>
+            <a:spLocks noGrp="1"/>
+          </p:cNvSpPr>
+          <p:nvPr>
+            <p:ph type="title"/>
+          </p:nvPr>
+        </p:nvSpPr>
+        <p:spPr/>
+        <p:txBody>
+          <a:bodyPr/>
+          <a:lstStyle/>
+          <a:p>
+            <a:r>
+              <a:rPr lang="en-US" altLang="zh-CN" dirty="0" smtClean="0"/>
+              <a:t>MF</a:t>
+            </a:r>
+            <a:r>
+              <a:rPr lang="zh-CN" altLang="en-US" dirty="0" smtClean="0"/>
+              <a:t>建模</a:t>
+            </a:r>
+            <a:endParaRPr lang="zh-CN" altLang="en-US" dirty="0"/>
+          </a:p>
+        </p:txBody>
+      </p:sp>
+      <p:pic>
+        <p:nvPicPr>
+          <p:cNvPr id="4" name="内容占位符 3"/>
+          <p:cNvPicPr>
+            <a:picLocks noGrp="1" noChangeAspect="1"/>
+          </p:cNvPicPr>
+          <p:nvPr>
+            <p:ph idx="1"/>
+          </p:nvPr>
+        </p:nvPicPr>
+        <p:blipFill>
+          <a:blip r:embed="rId2"/>
+          <a:stretch>
+            <a:fillRect/>
+          </a:stretch>
+        </p:blipFill>
+        <p:spPr>
+          <a:xfrm>
+            <a:off x="3174522" y="1395729"/>
+            <a:ext cx="5360938" cy="4781234"/>
+          </a:xfrm>
+          <a:prstGeom prst="rect">
+            <a:avLst/>
+          </a:prstGeom>
+        </p:spPr>
+      </p:pic>
+    </p:spTree>
+    <p:extLst>
+      <p:ext uri="{BB962C8B-B14F-4D97-AF65-F5344CB8AC3E}">
+        <p14:creationId xmlns:p14="http://schemas.microsoft.com/office/powerpoint/2010/main" val="250189699"/>
+      </p:ext>
+    </p:extLst>
+  </p:cSld>
+  <p:clrMapOvr>
+    <a:masterClrMapping/>
+  </p:clrMapOvr>
+</p:sld>
+</file>
+
+<file path=ppt/slides/slide6.xml><?xml version="1.0" encoding="utf-8"?>
+<p:sld xmlns:a="http://schemas.openxmlformats.org/drawingml/2006/main" xmlns:r="http://schemas.openxmlformats.org/officeDocument/2006/relationships" xmlns:p="http://schemas.openxmlformats.org/presentationml/2006/main">
+  <p:cSld>
+    <p:spTree>
+      <p:nvGrpSpPr>
+        <p:cNvPr id="1" name=""/>
+        <p:cNvGrpSpPr/>
+        <p:nvPr/>
+      </p:nvGrpSpPr>
+      <p:grpSpPr>
+        <a:xfrm>
+          <a:off x="0" y="0"/>
+          <a:ext cx="0" cy="0"/>
+          <a:chOff x="0" y="0"/>
+          <a:chExt cx="0" cy="0"/>
+        </a:xfrm>
+      </p:grpSpPr>
+      <p:sp>
+        <p:nvSpPr>
+          <p:cNvPr id="2" name="标题 1"/>
+          <p:cNvSpPr>
+            <a:spLocks noGrp="1"/>
+          </p:cNvSpPr>
+          <p:nvPr>
+            <p:ph type="title"/>
+          </p:nvPr>
+        </p:nvSpPr>
+        <p:spPr/>
+        <p:txBody>
+          <a:bodyPr/>
+          <a:lstStyle/>
+          <a:p>
+            <a:r>
+              <a:rPr lang="en-US" altLang="zh-CN" dirty="0" smtClean="0"/>
+              <a:t>MF</a:t>
+            </a:r>
+            <a:r>
+              <a:rPr lang="zh-CN" altLang="en-US" dirty="0" smtClean="0"/>
+              <a:t>的工作流程</a:t>
+            </a:r>
+            <a:endParaRPr lang="zh-CN" altLang="en-US" dirty="0"/>
+          </a:p>
+        </p:txBody>
+      </p:sp>
+      <p:sp>
+        <p:nvSpPr>
+          <p:cNvPr id="3" name="内容占位符 2"/>
+          <p:cNvSpPr>
+            <a:spLocks noGrp="1"/>
+          </p:cNvSpPr>
+          <p:nvPr>
+            <p:ph idx="1"/>
+          </p:nvPr>
+        </p:nvSpPr>
+        <p:spPr/>
+        <p:txBody>
+          <a:bodyPr/>
+          <a:lstStyle/>
+          <a:p>
+            <a:r>
+              <a:rPr lang="en-US" altLang="zh-CN" dirty="0" smtClean="0"/>
+              <a:t>1,</a:t>
+            </a:r>
+            <a:r>
+              <a:rPr lang="zh-CN" altLang="en-US" dirty="0" smtClean="0"/>
+              <a:t>用户提交每个机器的</a:t>
+            </a:r>
+            <a:r>
+              <a:rPr lang="en-US" altLang="zh-CN" dirty="0" smtClean="0"/>
+              <a:t>DAG</a:t>
+            </a:r>
+            <a:r>
+              <a:rPr lang="zh-CN" altLang="en-US" dirty="0" smtClean="0"/>
+              <a:t>图（一个或多个，每个</a:t>
+            </a:r>
+            <a:r>
+              <a:rPr lang="en-US" altLang="zh-CN" dirty="0" smtClean="0"/>
+              <a:t>DAG</a:t>
+            </a:r>
+            <a:r>
+              <a:rPr lang="zh-CN" altLang="en-US" dirty="0" smtClean="0"/>
+              <a:t>图中也包含流的信息）</a:t>
+            </a:r>
+            <a:endParaRPr lang="en-US" altLang="zh-CN" dirty="0" smtClean="0"/>
+          </a:p>
+          <a:p>
+            <a:r>
+              <a:rPr lang="en-US" altLang="zh-CN" dirty="0" smtClean="0"/>
+              <a:t>2,</a:t>
+            </a:r>
+            <a:r>
+              <a:rPr lang="zh-CN" altLang="en-US" dirty="0" smtClean="0"/>
+              <a:t>控制器分析</a:t>
+            </a:r>
+            <a:r>
+              <a:rPr lang="en-US" altLang="zh-CN" dirty="0" smtClean="0"/>
+              <a:t>DA</a:t>
+            </a:r>
+          </a:p>
+          <a:p>
+            <a:r>
+              <a:rPr lang="en-US" altLang="zh-CN" dirty="0" smtClean="0"/>
+              <a:t>3,</a:t>
+            </a:r>
+            <a:r>
+              <a:rPr lang="zh-CN" altLang="en-US" dirty="0" smtClean="0"/>
+              <a:t>程序运行时要发</a:t>
+            </a:r>
+            <a:r>
+              <a:rPr lang="en-US" altLang="zh-CN" dirty="0" smtClean="0"/>
+              <a:t>flow</a:t>
+            </a:r>
+            <a:r>
+              <a:rPr lang="zh-CN" altLang="en-US" dirty="0" smtClean="0"/>
+              <a:t>的时候，需要指定这是哪一个</a:t>
+            </a:r>
+            <a:r>
+              <a:rPr lang="en-US" altLang="zh-CN" dirty="0" smtClean="0"/>
+              <a:t>flow</a:t>
+            </a:r>
+          </a:p>
+          <a:p>
+            <a:r>
+              <a:rPr lang="en-US" altLang="zh-CN" dirty="0" smtClean="0"/>
+              <a:t>4,</a:t>
+            </a:r>
+            <a:r>
+              <a:rPr lang="zh-CN" altLang="en-US" dirty="0" smtClean="0"/>
+              <a:t>控制器收到需要发</a:t>
+            </a:r>
+            <a:r>
+              <a:rPr lang="en-US" altLang="zh-CN" dirty="0" smtClean="0"/>
+              <a:t>MF</a:t>
+            </a:r>
+            <a:r>
+              <a:rPr lang="zh-CN" altLang="en-US" dirty="0" smtClean="0"/>
+              <a:t>的请求，计算其权值，然后决定调度策略</a:t>
+            </a:r>
+            <a:endParaRPr lang="en-US" altLang="zh-CN" dirty="0" smtClean="0"/>
+          </a:p>
+          <a:p>
+            <a:r>
+              <a:rPr lang="en-US" altLang="zh-CN" dirty="0" smtClean="0"/>
+              <a:t>5,</a:t>
+            </a:r>
+            <a:r>
+              <a:rPr lang="zh-CN" altLang="en-US" dirty="0" smtClean="0"/>
+              <a:t>每一个</a:t>
+            </a:r>
+            <a:r>
+              <a:rPr lang="en-US" altLang="zh-CN" dirty="0" smtClean="0"/>
+              <a:t>slot</a:t>
+            </a:r>
+            <a:r>
+              <a:rPr lang="zh-CN" altLang="en-US" dirty="0" smtClean="0"/>
+              <a:t>结束后，对于收到的新</a:t>
+            </a:r>
+            <a:r>
+              <a:rPr lang="en-US" altLang="zh-CN" dirty="0" smtClean="0"/>
+              <a:t>MF</a:t>
+            </a:r>
+            <a:r>
+              <a:rPr lang="zh-CN" altLang="en-US" dirty="0" smtClean="0"/>
+              <a:t>合并以前的</a:t>
+            </a:r>
+            <a:r>
+              <a:rPr lang="en-US" altLang="zh-CN" dirty="0" smtClean="0"/>
+              <a:t>MF</a:t>
+            </a:r>
+            <a:r>
+              <a:rPr lang="zh-CN" altLang="en-US" dirty="0" smtClean="0"/>
+              <a:t>，重新调度，回到</a:t>
+            </a:r>
+            <a:r>
+              <a:rPr lang="en-US" altLang="zh-CN" dirty="0" smtClean="0"/>
+              <a:t>4</a:t>
+            </a:r>
+            <a:endParaRPr lang="zh-CN" altLang="en-US" dirty="0"/>
+          </a:p>
+        </p:txBody>
+      </p:sp>
+    </p:spTree>
+    <p:extLst>
+      <p:ext uri="{BB962C8B-B14F-4D97-AF65-F5344CB8AC3E}">
+        <p14:creationId xmlns:p14="http://schemas.microsoft.com/office/powerpoint/2010/main" val="1819349527"/>
       </p:ext>
     </p:extLst>
   </p:cSld>

--- a/document/microflow.pptx
+++ b/document/microflow.pptx
@@ -5599,11 +5599,7 @@
             </a:r>
             <a:r>
               <a:rPr lang="zh-CN" altLang="en-US" dirty="0" smtClean="0"/>
-              <a:t>中</a:t>
-            </a:r>
-            <a:r>
-              <a:rPr lang="zh-CN" altLang="en-US" dirty="0" smtClean="0"/>
-              <a:t>不同</a:t>
+              <a:t>中不同</a:t>
             </a:r>
             <a:r>
               <a:rPr lang="en-US" altLang="zh-CN" dirty="0" smtClean="0"/>
@@ -5611,15 +5607,7 @@
             </a:r>
             <a:r>
               <a:rPr lang="zh-CN" altLang="en-US" dirty="0" smtClean="0"/>
-              <a:t>的</a:t>
-            </a:r>
-            <a:r>
-              <a:rPr lang="zh-CN" altLang="en-US" dirty="0" smtClean="0"/>
-              <a:t>需求程度是不同的</a:t>
-            </a:r>
-            <a:r>
-              <a:rPr lang="zh-CN" altLang="en-US" dirty="0" smtClean="0"/>
-              <a:t>，有些</a:t>
+              <a:t>的需求程度是不同的，有些</a:t>
             </a:r>
             <a:r>
               <a:rPr lang="en-US" altLang="zh-CN" dirty="0" smtClean="0"/>
@@ -5627,11 +5615,7 @@
             </a:r>
             <a:r>
               <a:rPr lang="zh-CN" altLang="en-US" dirty="0" smtClean="0"/>
-              <a:t>可以</a:t>
-            </a:r>
-            <a:r>
-              <a:rPr lang="zh-CN" altLang="en-US" dirty="0" smtClean="0"/>
-              <a:t>与后续的计算重叠</a:t>
+              <a:t>可以与后续的计算重叠</a:t>
             </a:r>
             <a:endParaRPr lang="zh-CN" altLang="en-US" dirty="0"/>
           </a:p>
@@ -5808,11 +5792,7 @@
           <a:p>
             <a:r>
               <a:rPr lang="zh-CN" altLang="en-US" dirty="0" smtClean="0"/>
-              <a:t>携带更多应用信息的流</a:t>
-            </a:r>
-            <a:r>
-              <a:rPr lang="zh-CN" altLang="en-US" dirty="0" smtClean="0"/>
-              <a:t>抽象</a:t>
+              <a:t>携带更多应用信息的流抽象</a:t>
             </a:r>
             <a:endParaRPr lang="en-US" altLang="zh-CN" dirty="0" smtClean="0"/>
           </a:p>
@@ -6035,9 +6015,10 @@
               <a:t>控制器分析</a:t>
             </a:r>
             <a:r>
-              <a:rPr lang="en-US" altLang="zh-CN" dirty="0" smtClean="0"/>
-              <a:t>DA</a:t>
-            </a:r>
+              <a:rPr lang="en-US" altLang="zh-CN" smtClean="0"/>
+              <a:t>DAG</a:t>
+            </a:r>
+            <a:endParaRPr lang="en-US" altLang="zh-CN" dirty="0" smtClean="0"/>
           </a:p>
           <a:p>
             <a:r>

--- a/document/microflow.pptx
+++ b/document/microflow.pptx
@@ -9,8 +9,10 @@
     <p:sldId id="257" r:id="rId3"/>
     <p:sldId id="258" r:id="rId4"/>
     <p:sldId id="259" r:id="rId5"/>
-    <p:sldId id="260" r:id="rId6"/>
-    <p:sldId id="261" r:id="rId7"/>
+    <p:sldId id="263" r:id="rId6"/>
+    <p:sldId id="260" r:id="rId7"/>
+    <p:sldId id="261" r:id="rId8"/>
+    <p:sldId id="262" r:id="rId9"/>
   </p:sldIdLst>
   <p:sldSz cx="12192000" cy="6858000"/>
   <p:notesSz cx="6858000" cy="9144000"/>
@@ -5870,47 +5872,93 @@
           <a:lstStyle/>
           <a:p>
             <a:r>
+              <a:rPr lang="zh-CN" altLang="en-US" dirty="0" smtClean="0"/>
+              <a:t>设定</a:t>
+            </a:r>
+            <a:endParaRPr lang="zh-CN" altLang="en-US" dirty="0"/>
+          </a:p>
+        </p:txBody>
+      </p:sp>
+      <p:sp>
+        <p:nvSpPr>
+          <p:cNvPr id="3" name="内容占位符 2"/>
+          <p:cNvSpPr>
+            <a:spLocks noGrp="1"/>
+          </p:cNvSpPr>
+          <p:nvPr>
+            <p:ph idx="1"/>
+          </p:nvPr>
+        </p:nvSpPr>
+        <p:spPr/>
+        <p:txBody>
+          <a:bodyPr/>
+          <a:lstStyle/>
+          <a:p>
+            <a:r>
+              <a:rPr lang="zh-CN" altLang="en-US" dirty="0" smtClean="0"/>
+              <a:t>网络为无阻塞</a:t>
+            </a:r>
+            <a:r>
               <a:rPr lang="en-US" altLang="zh-CN" dirty="0" smtClean="0"/>
-              <a:t>MF</a:t>
+              <a:t>M</a:t>
             </a:r>
             <a:r>
               <a:rPr lang="zh-CN" altLang="en-US" dirty="0" smtClean="0"/>
-              <a:t>建模</a:t>
+              <a:t>*</a:t>
+            </a:r>
+            <a:r>
+              <a:rPr lang="en-US" altLang="zh-CN" dirty="0" smtClean="0"/>
+              <a:t>M</a:t>
+            </a:r>
+            <a:r>
+              <a:rPr lang="zh-CN" altLang="en-US" dirty="0" smtClean="0"/>
+              <a:t>交换结构</a:t>
+            </a:r>
+            <a:endParaRPr lang="en-US" altLang="zh-CN" dirty="0" smtClean="0"/>
+          </a:p>
+          <a:p>
+            <a:r>
+              <a:rPr lang="zh-CN" altLang="en-US" dirty="0" smtClean="0"/>
+              <a:t>每个端口接收发送带宽相等</a:t>
+            </a:r>
+            <a:endParaRPr lang="en-US" altLang="zh-CN" dirty="0" smtClean="0"/>
+          </a:p>
+          <a:p>
+            <a:r>
+              <a:rPr lang="en-US" altLang="zh-CN" dirty="0" smtClean="0"/>
+              <a:t>Flow</a:t>
+            </a:r>
+            <a:r>
+              <a:rPr lang="zh-CN" altLang="en-US" dirty="0" smtClean="0"/>
+              <a:t>的源，目的以及发送数据大小已知</a:t>
+            </a:r>
+            <a:endParaRPr lang="en-US" altLang="zh-CN" dirty="0" smtClean="0"/>
+          </a:p>
+          <a:p>
+            <a:r>
+              <a:rPr lang="en-US" altLang="zh-CN" dirty="0" smtClean="0"/>
+              <a:t>Link-sharing </a:t>
+            </a:r>
+            <a:r>
+              <a:rPr lang="zh-CN" altLang="en-US" dirty="0" smtClean="0"/>
+              <a:t>与 </a:t>
+            </a:r>
+            <a:r>
+              <a:rPr lang="en-US" altLang="zh-CN" dirty="0" smtClean="0"/>
+              <a:t>Preemption </a:t>
+            </a:r>
+            <a:r>
+              <a:rPr lang="zh-CN" altLang="en-US" dirty="0" smtClean="0"/>
+              <a:t>是允许的</a:t>
             </a:r>
             <a:endParaRPr lang="zh-CN" altLang="en-US" dirty="0"/>
           </a:p>
         </p:txBody>
       </p:sp>
-      <p:pic>
-        <p:nvPicPr>
-          <p:cNvPr id="4" name="内容占位符 3"/>
-          <p:cNvPicPr>
-            <a:picLocks noGrp="1" noChangeAspect="1"/>
-          </p:cNvPicPr>
-          <p:nvPr>
-            <p:ph idx="1"/>
-          </p:nvPr>
-        </p:nvPicPr>
-        <p:blipFill>
-          <a:blip r:embed="rId2"/>
-          <a:stretch>
-            <a:fillRect/>
-          </a:stretch>
-        </p:blipFill>
-        <p:spPr>
-          <a:xfrm>
-            <a:off x="3174522" y="1395729"/>
-            <a:ext cx="5360938" cy="4781234"/>
-          </a:xfrm>
-          <a:prstGeom prst="rect">
-            <a:avLst/>
-          </a:prstGeom>
-        </p:spPr>
-      </p:pic>
     </p:spTree>
     <p:extLst>
       <p:ext uri="{BB962C8B-B14F-4D97-AF65-F5344CB8AC3E}">
-        <p14:creationId xmlns:p14="http://schemas.microsoft.com/office/powerpoint/2010/main" val="250189699"/>
+        <p14:creationId xmlns:p14="http://schemas.microsoft.com/office/powerpoint/2010/main" val="2186798978"/>
       </p:ext>
     </p:extLst>
   </p:cSld>
@@ -5958,6 +6006,89 @@
             </a:r>
             <a:r>
               <a:rPr lang="zh-CN" altLang="en-US" dirty="0" smtClean="0"/>
+              <a:t>建模</a:t>
+            </a:r>
+            <a:endParaRPr lang="zh-CN" altLang="en-US" dirty="0"/>
+          </a:p>
+        </p:txBody>
+      </p:sp>
+      <p:pic>
+        <p:nvPicPr>
+          <p:cNvPr id="4" name="内容占位符 3"/>
+          <p:cNvPicPr>
+            <a:picLocks noGrp="1" noChangeAspect="1"/>
+          </p:cNvPicPr>
+          <p:nvPr>
+            <p:ph idx="1"/>
+          </p:nvPr>
+        </p:nvPicPr>
+        <p:blipFill>
+          <a:blip r:embed="rId2"/>
+          <a:stretch>
+            <a:fillRect/>
+          </a:stretch>
+        </p:blipFill>
+        <p:spPr>
+          <a:xfrm>
+            <a:off x="3174522" y="1395729"/>
+            <a:ext cx="5360938" cy="4781234"/>
+          </a:xfrm>
+          <a:prstGeom prst="rect">
+            <a:avLst/>
+          </a:prstGeom>
+        </p:spPr>
+      </p:pic>
+    </p:spTree>
+    <p:extLst>
+      <p:ext uri="{BB962C8B-B14F-4D97-AF65-F5344CB8AC3E}">
+        <p14:creationId xmlns:p14="http://schemas.microsoft.com/office/powerpoint/2010/main" val="250189699"/>
+      </p:ext>
+    </p:extLst>
+  </p:cSld>
+  <p:clrMapOvr>
+    <a:masterClrMapping/>
+  </p:clrMapOvr>
+</p:sld>
+</file>
+
+<file path=ppt/slides/slide7.xml><?xml version="1.0" encoding="utf-8"?>
+<p:sld xmlns:a="http://schemas.openxmlformats.org/drawingml/2006/main" xmlns:r="http://schemas.openxmlformats.org/officeDocument/2006/relationships" xmlns:p="http://schemas.openxmlformats.org/presentationml/2006/main">
+  <p:cSld>
+    <p:spTree>
+      <p:nvGrpSpPr>
+        <p:cNvPr id="1" name=""/>
+        <p:cNvGrpSpPr/>
+        <p:nvPr/>
+      </p:nvGrpSpPr>
+      <p:grpSpPr>
+        <a:xfrm>
+          <a:off x="0" y="0"/>
+          <a:ext cx="0" cy="0"/>
+          <a:chOff x="0" y="0"/>
+          <a:chExt cx="0" cy="0"/>
+        </a:xfrm>
+      </p:grpSpPr>
+      <p:sp>
+        <p:nvSpPr>
+          <p:cNvPr id="2" name="标题 1"/>
+          <p:cNvSpPr>
+            <a:spLocks noGrp="1"/>
+          </p:cNvSpPr>
+          <p:nvPr>
+            <p:ph type="title"/>
+          </p:nvPr>
+        </p:nvSpPr>
+        <p:spPr/>
+        <p:txBody>
+          <a:bodyPr/>
+          <a:lstStyle/>
+          <a:p>
+            <a:r>
+              <a:rPr lang="en-US" altLang="zh-CN" dirty="0" smtClean="0"/>
+              <a:t>MF</a:t>
+            </a:r>
+            <a:r>
+              <a:rPr lang="zh-CN" altLang="en-US" dirty="0" smtClean="0"/>
               <a:t>的工作流程</a:t>
             </a:r>
             <a:endParaRPr lang="zh-CN" altLang="en-US" dirty="0"/>
@@ -6106,6 +6237,78 @@
     <p:extLst>
       <p:ext uri="{BB962C8B-B14F-4D97-AF65-F5344CB8AC3E}">
         <p14:creationId xmlns:p14="http://schemas.microsoft.com/office/powerpoint/2010/main" val="1819349527"/>
+      </p:ext>
+    </p:extLst>
+  </p:cSld>
+  <p:clrMapOvr>
+    <a:masterClrMapping/>
+  </p:clrMapOvr>
+</p:sld>
+</file>
+
+<file path=ppt/slides/slide8.xml><?xml version="1.0" encoding="utf-8"?>
+<p:sld xmlns:a="http://schemas.openxmlformats.org/drawingml/2006/main" xmlns:r="http://schemas.openxmlformats.org/officeDocument/2006/relationships" xmlns:p="http://schemas.openxmlformats.org/presentationml/2006/main">
+  <p:cSld>
+    <p:spTree>
+      <p:nvGrpSpPr>
+        <p:cNvPr id="1" name=""/>
+        <p:cNvGrpSpPr/>
+        <p:nvPr/>
+      </p:nvGrpSpPr>
+      <p:grpSpPr>
+        <a:xfrm>
+          <a:off x="0" y="0"/>
+          <a:ext cx="0" cy="0"/>
+          <a:chOff x="0" y="0"/>
+          <a:chExt cx="0" cy="0"/>
+        </a:xfrm>
+      </p:grpSpPr>
+      <p:sp>
+        <p:nvSpPr>
+          <p:cNvPr id="2" name="标题 1"/>
+          <p:cNvSpPr>
+            <a:spLocks noGrp="1"/>
+          </p:cNvSpPr>
+          <p:nvPr>
+            <p:ph type="title"/>
+          </p:nvPr>
+        </p:nvSpPr>
+        <p:spPr/>
+        <p:txBody>
+          <a:bodyPr/>
+          <a:lstStyle/>
+          <a:p>
+            <a:r>
+              <a:rPr lang="zh-CN" altLang="en-US" dirty="0" smtClean="0"/>
+              <a:t>权值的计算以及调度策略</a:t>
+            </a:r>
+            <a:endParaRPr lang="zh-CN" altLang="en-US" dirty="0"/>
+          </a:p>
+        </p:txBody>
+      </p:sp>
+      <p:sp>
+        <p:nvSpPr>
+          <p:cNvPr id="3" name="内容占位符 2"/>
+          <p:cNvSpPr>
+            <a:spLocks noGrp="1"/>
+          </p:cNvSpPr>
+          <p:nvPr>
+            <p:ph idx="1"/>
+          </p:nvPr>
+        </p:nvSpPr>
+        <p:spPr/>
+        <p:txBody>
+          <a:bodyPr/>
+          <a:lstStyle/>
+          <a:p>
+            <a:endParaRPr lang="zh-CN" altLang="en-US"/>
+          </a:p>
+        </p:txBody>
+      </p:sp>
+    </p:spTree>
+    <p:extLst>
+      <p:ext uri="{BB962C8B-B14F-4D97-AF65-F5344CB8AC3E}">
+        <p14:creationId xmlns:p14="http://schemas.microsoft.com/office/powerpoint/2010/main" val="2199162297"/>
       </p:ext>
     </p:extLst>
   </p:cSld>

--- a/document/microflow.pptx
+++ b/document/microflow.pptx
@@ -7,12 +7,15 @@
   <p:sldIdLst>
     <p:sldId id="256" r:id="rId2"/>
     <p:sldId id="257" r:id="rId3"/>
-    <p:sldId id="258" r:id="rId4"/>
-    <p:sldId id="259" r:id="rId5"/>
-    <p:sldId id="263" r:id="rId6"/>
-    <p:sldId id="260" r:id="rId7"/>
+    <p:sldId id="266" r:id="rId4"/>
+    <p:sldId id="258" r:id="rId5"/>
+    <p:sldId id="259" r:id="rId6"/>
+    <p:sldId id="263" r:id="rId7"/>
     <p:sldId id="261" r:id="rId8"/>
-    <p:sldId id="262" r:id="rId9"/>
+    <p:sldId id="265" r:id="rId9"/>
+    <p:sldId id="264" r:id="rId10"/>
+    <p:sldId id="262" r:id="rId11"/>
+    <p:sldId id="260" r:id="rId12"/>
   </p:sldIdLst>
   <p:sldSz cx="12192000" cy="6858000"/>
   <p:notesSz cx="6858000" cy="9144000"/>
@@ -250,7 +253,7 @@
           <a:p>
             <a:fld id="{C76F50B8-0E05-42CA-B357-B3E3A76401A2}" type="datetimeFigureOut">
               <a:rPr lang="zh-CN" altLang="en-US" smtClean="0"/>
-              <a:t>2018/12/13</a:t>
+              <a:t>2018/12/16</a:t>
             </a:fld>
             <a:endParaRPr lang="zh-CN" altLang="en-US"/>
           </a:p>
@@ -420,7 +423,7 @@
           <a:p>
             <a:fld id="{C76F50B8-0E05-42CA-B357-B3E3A76401A2}" type="datetimeFigureOut">
               <a:rPr lang="zh-CN" altLang="en-US" smtClean="0"/>
-              <a:t>2018/12/13</a:t>
+              <a:t>2018/12/16</a:t>
             </a:fld>
             <a:endParaRPr lang="zh-CN" altLang="en-US"/>
           </a:p>
@@ -600,7 +603,7 @@
           <a:p>
             <a:fld id="{C76F50B8-0E05-42CA-B357-B3E3A76401A2}" type="datetimeFigureOut">
               <a:rPr lang="zh-CN" altLang="en-US" smtClean="0"/>
-              <a:t>2018/12/13</a:t>
+              <a:t>2018/12/16</a:t>
             </a:fld>
             <a:endParaRPr lang="zh-CN" altLang="en-US"/>
           </a:p>
@@ -770,7 +773,7 @@
           <a:p>
             <a:fld id="{C76F50B8-0E05-42CA-B357-B3E3A76401A2}" type="datetimeFigureOut">
               <a:rPr lang="zh-CN" altLang="en-US" smtClean="0"/>
-              <a:t>2018/12/13</a:t>
+              <a:t>2018/12/16</a:t>
             </a:fld>
             <a:endParaRPr lang="zh-CN" altLang="en-US"/>
           </a:p>
@@ -1016,7 +1019,7 @@
           <a:p>
             <a:fld id="{C76F50B8-0E05-42CA-B357-B3E3A76401A2}" type="datetimeFigureOut">
               <a:rPr lang="zh-CN" altLang="en-US" smtClean="0"/>
-              <a:t>2018/12/13</a:t>
+              <a:t>2018/12/16</a:t>
             </a:fld>
             <a:endParaRPr lang="zh-CN" altLang="en-US"/>
           </a:p>
@@ -1248,7 +1251,7 @@
           <a:p>
             <a:fld id="{C76F50B8-0E05-42CA-B357-B3E3A76401A2}" type="datetimeFigureOut">
               <a:rPr lang="zh-CN" altLang="en-US" smtClean="0"/>
-              <a:t>2018/12/13</a:t>
+              <a:t>2018/12/16</a:t>
             </a:fld>
             <a:endParaRPr lang="zh-CN" altLang="en-US"/>
           </a:p>
@@ -1615,7 +1618,7 @@
           <a:p>
             <a:fld id="{C76F50B8-0E05-42CA-B357-B3E3A76401A2}" type="datetimeFigureOut">
               <a:rPr lang="zh-CN" altLang="en-US" smtClean="0"/>
-              <a:t>2018/12/13</a:t>
+              <a:t>2018/12/16</a:t>
             </a:fld>
             <a:endParaRPr lang="zh-CN" altLang="en-US"/>
           </a:p>
@@ -1733,7 +1736,7 @@
           <a:p>
             <a:fld id="{C76F50B8-0E05-42CA-B357-B3E3A76401A2}" type="datetimeFigureOut">
               <a:rPr lang="zh-CN" altLang="en-US" smtClean="0"/>
-              <a:t>2018/12/13</a:t>
+              <a:t>2018/12/16</a:t>
             </a:fld>
             <a:endParaRPr lang="zh-CN" altLang="en-US"/>
           </a:p>
@@ -1828,7 +1831,7 @@
           <a:p>
             <a:fld id="{C76F50B8-0E05-42CA-B357-B3E3A76401A2}" type="datetimeFigureOut">
               <a:rPr lang="zh-CN" altLang="en-US" smtClean="0"/>
-              <a:t>2018/12/13</a:t>
+              <a:t>2018/12/16</a:t>
             </a:fld>
             <a:endParaRPr lang="zh-CN" altLang="en-US"/>
           </a:p>
@@ -2105,7 +2108,7 @@
           <a:p>
             <a:fld id="{C76F50B8-0E05-42CA-B357-B3E3A76401A2}" type="datetimeFigureOut">
               <a:rPr lang="zh-CN" altLang="en-US" smtClean="0"/>
-              <a:t>2018/12/13</a:t>
+              <a:t>2018/12/16</a:t>
             </a:fld>
             <a:endParaRPr lang="zh-CN" altLang="en-US"/>
           </a:p>
@@ -2358,7 +2361,7 @@
           <a:p>
             <a:fld id="{C76F50B8-0E05-42CA-B357-B3E3A76401A2}" type="datetimeFigureOut">
               <a:rPr lang="zh-CN" altLang="en-US" smtClean="0"/>
-              <a:t>2018/12/13</a:t>
+              <a:t>2018/12/16</a:t>
             </a:fld>
             <a:endParaRPr lang="zh-CN" altLang="en-US"/>
           </a:p>
@@ -2571,7 +2574,7 @@
           <a:p>
             <a:fld id="{C76F50B8-0E05-42CA-B357-B3E3A76401A2}" type="datetimeFigureOut">
               <a:rPr lang="zh-CN" altLang="en-US" smtClean="0"/>
-              <a:t>2018/12/13</a:t>
+              <a:t>2018/12/16</a:t>
             </a:fld>
             <a:endParaRPr lang="zh-CN" altLang="en-US"/>
           </a:p>
@@ -3035,6 +3038,161 @@
 </p:sld>
 </file>
 
+<file path=ppt/slides/slide10.xml><?xml version="1.0" encoding="utf-8"?>
+<p:sld xmlns:a="http://schemas.openxmlformats.org/drawingml/2006/main" xmlns:r="http://schemas.openxmlformats.org/officeDocument/2006/relationships" xmlns:p="http://schemas.openxmlformats.org/presentationml/2006/main">
+  <p:cSld>
+    <p:spTree>
+      <p:nvGrpSpPr>
+        <p:cNvPr id="1" name=""/>
+        <p:cNvGrpSpPr/>
+        <p:nvPr/>
+      </p:nvGrpSpPr>
+      <p:grpSpPr>
+        <a:xfrm>
+          <a:off x="0" y="0"/>
+          <a:ext cx="0" cy="0"/>
+          <a:chOff x="0" y="0"/>
+          <a:chExt cx="0" cy="0"/>
+        </a:xfrm>
+      </p:grpSpPr>
+      <p:sp>
+        <p:nvSpPr>
+          <p:cNvPr id="2" name="标题 1"/>
+          <p:cNvSpPr>
+            <a:spLocks noGrp="1"/>
+          </p:cNvSpPr>
+          <p:nvPr>
+            <p:ph type="title"/>
+          </p:nvPr>
+        </p:nvSpPr>
+        <p:spPr/>
+        <p:txBody>
+          <a:bodyPr/>
+          <a:lstStyle/>
+          <a:p>
+            <a:r>
+              <a:rPr lang="zh-CN" altLang="en-US" dirty="0" smtClean="0"/>
+              <a:t>权值的计算以及调度策略</a:t>
+            </a:r>
+            <a:endParaRPr lang="zh-CN" altLang="en-US" dirty="0"/>
+          </a:p>
+        </p:txBody>
+      </p:sp>
+      <p:sp>
+        <p:nvSpPr>
+          <p:cNvPr id="3" name="内容占位符 2"/>
+          <p:cNvSpPr>
+            <a:spLocks noGrp="1"/>
+          </p:cNvSpPr>
+          <p:nvPr>
+            <p:ph idx="1"/>
+          </p:nvPr>
+        </p:nvSpPr>
+        <p:spPr/>
+        <p:txBody>
+          <a:bodyPr/>
+          <a:lstStyle/>
+          <a:p>
+            <a:endParaRPr lang="zh-CN" altLang="en-US"/>
+          </a:p>
+        </p:txBody>
+      </p:sp>
+    </p:spTree>
+    <p:extLst>
+      <p:ext uri="{BB962C8B-B14F-4D97-AF65-F5344CB8AC3E}">
+        <p14:creationId xmlns:p14="http://schemas.microsoft.com/office/powerpoint/2010/main" val="2199162297"/>
+      </p:ext>
+    </p:extLst>
+  </p:cSld>
+  <p:clrMapOvr>
+    <a:masterClrMapping/>
+  </p:clrMapOvr>
+</p:sld>
+</file>
+
+<file path=ppt/slides/slide11.xml><?xml version="1.0" encoding="utf-8"?>
+<p:sld xmlns:a="http://schemas.openxmlformats.org/drawingml/2006/main" xmlns:r="http://schemas.openxmlformats.org/officeDocument/2006/relationships" xmlns:p="http://schemas.openxmlformats.org/presentationml/2006/main">
+  <p:cSld>
+    <p:spTree>
+      <p:nvGrpSpPr>
+        <p:cNvPr id="1" name=""/>
+        <p:cNvGrpSpPr/>
+        <p:nvPr/>
+      </p:nvGrpSpPr>
+      <p:grpSpPr>
+        <a:xfrm>
+          <a:off x="0" y="0"/>
+          <a:ext cx="0" cy="0"/>
+          <a:chOff x="0" y="0"/>
+          <a:chExt cx="0" cy="0"/>
+        </a:xfrm>
+      </p:grpSpPr>
+      <p:sp>
+        <p:nvSpPr>
+          <p:cNvPr id="2" name="标题 1"/>
+          <p:cNvSpPr>
+            <a:spLocks noGrp="1"/>
+          </p:cNvSpPr>
+          <p:nvPr>
+            <p:ph type="title"/>
+          </p:nvPr>
+        </p:nvSpPr>
+        <p:spPr/>
+        <p:txBody>
+          <a:bodyPr/>
+          <a:lstStyle/>
+          <a:p>
+            <a:r>
+              <a:rPr lang="en-US" altLang="zh-CN" dirty="0" smtClean="0"/>
+              <a:t>MF</a:t>
+            </a:r>
+            <a:r>
+              <a:rPr lang="zh-CN" altLang="en-US" dirty="0" smtClean="0"/>
+              <a:t>建模</a:t>
+            </a:r>
+            <a:endParaRPr lang="zh-CN" altLang="en-US" dirty="0"/>
+          </a:p>
+        </p:txBody>
+      </p:sp>
+      <p:pic>
+        <p:nvPicPr>
+          <p:cNvPr id="4" name="内容占位符 3"/>
+          <p:cNvPicPr>
+            <a:picLocks noGrp="1" noChangeAspect="1"/>
+          </p:cNvPicPr>
+          <p:nvPr>
+            <p:ph idx="1"/>
+          </p:nvPr>
+        </p:nvPicPr>
+        <p:blipFill>
+          <a:blip r:embed="rId2"/>
+          <a:stretch>
+            <a:fillRect/>
+          </a:stretch>
+        </p:blipFill>
+        <p:spPr>
+          <a:xfrm>
+            <a:off x="3174522" y="1395729"/>
+            <a:ext cx="5360938" cy="4781234"/>
+          </a:xfrm>
+          <a:prstGeom prst="rect">
+            <a:avLst/>
+          </a:prstGeom>
+        </p:spPr>
+      </p:pic>
+    </p:spTree>
+    <p:extLst>
+      <p:ext uri="{BB962C8B-B14F-4D97-AF65-F5344CB8AC3E}">
+        <p14:creationId xmlns:p14="http://schemas.microsoft.com/office/powerpoint/2010/main" val="250189699"/>
+      </p:ext>
+    </p:extLst>
+  </p:cSld>
+  <p:clrMapOvr>
+    <a:masterClrMapping/>
+  </p:clrMapOvr>
+</p:sld>
+</file>
+
 <file path=ppt/slides/slide2.xml><?xml version="1.0" encoding="utf-8"?>
 <p:sld xmlns:a="http://schemas.openxmlformats.org/drawingml/2006/main" xmlns:r="http://schemas.openxmlformats.org/officeDocument/2006/relationships" xmlns:p="http://schemas.openxmlformats.org/presentationml/2006/main">
   <p:cSld>
@@ -5669,65 +5827,71 @@
           <a:lstStyle/>
           <a:p>
             <a:r>
+              <a:rPr lang="en-US" altLang="zh-CN" dirty="0" err="1" smtClean="0"/>
+              <a:t>Coflow</a:t>
+            </a:r>
+            <a:r>
               <a:rPr lang="zh-CN" altLang="en-US" dirty="0" smtClean="0"/>
-              <a:t>这是普遍情况吗？</a:t>
+              <a:t>对于单任务</a:t>
             </a:r>
             <a:endParaRPr lang="zh-CN" altLang="en-US" dirty="0"/>
           </a:p>
         </p:txBody>
       </p:sp>
-      <p:sp>
-        <p:nvSpPr>
-          <p:cNvPr id="3" name="内容占位符 2"/>
-          <p:cNvSpPr>
-            <a:spLocks noGrp="1"/>
-          </p:cNvSpPr>
+      <p:pic>
+        <p:nvPicPr>
+          <p:cNvPr id="5" name="内容占位符 4"/>
+          <p:cNvPicPr>
+            <a:picLocks noGrp="1" noChangeAspect="1"/>
+          </p:cNvPicPr>
           <p:nvPr>
             <p:ph idx="1"/>
           </p:nvPr>
-        </p:nvSpPr>
-        <p:spPr/>
-        <p:txBody>
-          <a:bodyPr/>
-          <a:lstStyle/>
-          <a:p>
-            <a:r>
-              <a:rPr lang="zh-CN" altLang="en-US" dirty="0" smtClean="0"/>
-              <a:t>分布式训练</a:t>
-            </a:r>
-            <a:endParaRPr lang="en-US" altLang="zh-CN" dirty="0" smtClean="0"/>
-          </a:p>
-          <a:p>
-            <a:r>
-              <a:rPr lang="zh-CN" altLang="en-US" dirty="0" smtClean="0"/>
-              <a:t>网页搜索</a:t>
-            </a:r>
-            <a:endParaRPr lang="en-US" altLang="zh-CN" dirty="0" smtClean="0"/>
-          </a:p>
-          <a:p>
-            <a:r>
-              <a:rPr lang="zh-CN" altLang="en-US" dirty="0"/>
-              <a:t>图</a:t>
-            </a:r>
-            <a:r>
-              <a:rPr lang="zh-CN" altLang="en-US" dirty="0" smtClean="0"/>
-              <a:t>计算</a:t>
-            </a:r>
-            <a:endParaRPr lang="en-US" altLang="zh-CN" dirty="0" smtClean="0"/>
-          </a:p>
-          <a:p>
-            <a:r>
-              <a:rPr lang="en-US" altLang="zh-CN" dirty="0"/>
-              <a:t>……</a:t>
-            </a:r>
-            <a:endParaRPr lang="zh-CN" altLang="en-US" dirty="0"/>
-          </a:p>
-        </p:txBody>
-      </p:sp>
+        </p:nvPicPr>
+        <p:blipFill>
+          <a:blip r:embed="rId2"/>
+          <a:stretch>
+            <a:fillRect/>
+          </a:stretch>
+        </p:blipFill>
+        <p:spPr>
+          <a:xfrm>
+            <a:off x="6096000" y="3538685"/>
+            <a:ext cx="5517311" cy="1435058"/>
+          </a:xfrm>
+          <a:prstGeom prst="rect">
+            <a:avLst/>
+          </a:prstGeom>
+        </p:spPr>
+      </p:pic>
+      <p:pic>
+        <p:nvPicPr>
+          <p:cNvPr id="4" name="图片 3"/>
+          <p:cNvPicPr>
+            <a:picLocks noChangeAspect="1"/>
+          </p:cNvPicPr>
+          <p:nvPr/>
+        </p:nvPicPr>
+        <p:blipFill>
+          <a:blip r:embed="rId3"/>
+          <a:stretch>
+            <a:fillRect/>
+          </a:stretch>
+        </p:blipFill>
+        <p:spPr>
+          <a:xfrm>
+            <a:off x="838200" y="1751161"/>
+            <a:ext cx="4990348" cy="4731589"/>
+          </a:xfrm>
+          <a:prstGeom prst="rect">
+            <a:avLst/>
+          </a:prstGeom>
+        </p:spPr>
+      </p:pic>
     </p:spTree>
     <p:extLst>
       <p:ext uri="{BB962C8B-B14F-4D97-AF65-F5344CB8AC3E}">
-        <p14:creationId xmlns:p14="http://schemas.microsoft.com/office/powerpoint/2010/main" val="2040733922"/>
+        <p14:creationId xmlns:p14="http://schemas.microsoft.com/office/powerpoint/2010/main" val="2990786351"/>
       </p:ext>
     </p:extLst>
   </p:cSld>
@@ -5770,8 +5934,8 @@
           <a:lstStyle/>
           <a:p>
             <a:r>
-              <a:rPr lang="en-US" altLang="zh-CN" dirty="0" err="1" smtClean="0"/>
-              <a:t>MicroFlow</a:t>
+              <a:rPr lang="zh-CN" altLang="en-US" dirty="0" smtClean="0"/>
+              <a:t>这是普遍情况吗？</a:t>
             </a:r>
             <a:endParaRPr lang="zh-CN" altLang="en-US" dirty="0"/>
           </a:p>
@@ -5794,34 +5958,33 @@
           <a:p>
             <a:r>
               <a:rPr lang="zh-CN" altLang="en-US" dirty="0" smtClean="0"/>
-              <a:t>携带更多应用信息的流抽象</a:t>
+              <a:t>分布式训练</a:t>
             </a:r>
             <a:endParaRPr lang="en-US" altLang="zh-CN" dirty="0" smtClean="0"/>
           </a:p>
           <a:p>
             <a:r>
               <a:rPr lang="zh-CN" altLang="en-US" dirty="0" smtClean="0"/>
-              <a:t>一个</a:t>
-            </a:r>
-            <a:r>
-              <a:rPr lang="en-US" altLang="zh-CN" dirty="0" smtClean="0"/>
-              <a:t>MF</a:t>
+              <a:t>网页搜索</a:t>
+            </a:r>
+            <a:endParaRPr lang="en-US" altLang="zh-CN" dirty="0" smtClean="0"/>
+          </a:p>
+          <a:p>
+            <a:r>
+              <a:rPr lang="zh-CN" altLang="en-US" dirty="0"/>
+              <a:t>图</a:t>
             </a:r>
             <a:r>
               <a:rPr lang="zh-CN" altLang="en-US" dirty="0" smtClean="0"/>
-              <a:t>是机器上开始一部分计算所需要的全部的</a:t>
-            </a:r>
-            <a:r>
-              <a:rPr lang="en-US" altLang="zh-CN" dirty="0" smtClean="0"/>
-              <a:t>flow</a:t>
-            </a:r>
-            <a:r>
-              <a:rPr lang="zh-CN" altLang="en-US" dirty="0" smtClean="0"/>
-              <a:t>的集合</a:t>
+              <a:t>计算</a:t>
             </a:r>
             <a:endParaRPr lang="en-US" altLang="zh-CN" dirty="0" smtClean="0"/>
           </a:p>
           <a:p>
+            <a:r>
+              <a:rPr lang="en-US" altLang="zh-CN" dirty="0"/>
+              <a:t>……</a:t>
+            </a:r>
             <a:endParaRPr lang="zh-CN" altLang="en-US" dirty="0"/>
           </a:p>
         </p:txBody>
@@ -5829,7 +5992,7 @@
     </p:spTree>
     <p:extLst>
       <p:ext uri="{BB962C8B-B14F-4D97-AF65-F5344CB8AC3E}">
-        <p14:creationId xmlns:p14="http://schemas.microsoft.com/office/powerpoint/2010/main" val="941925385"/>
+        <p14:creationId xmlns:p14="http://schemas.microsoft.com/office/powerpoint/2010/main" val="2040733922"/>
       </p:ext>
     </p:extLst>
   </p:cSld>
@@ -5872,85 +6035,58 @@
           <a:lstStyle/>
           <a:p>
             <a:r>
+              <a:rPr lang="en-US" altLang="zh-CN" dirty="0" err="1" smtClean="0"/>
+              <a:t>MicroFlow</a:t>
+            </a:r>
+            <a:endParaRPr lang="zh-CN" altLang="en-US" dirty="0"/>
+          </a:p>
+        </p:txBody>
+      </p:sp>
+      <p:sp>
+        <p:nvSpPr>
+          <p:cNvPr id="3" name="内容占位符 2"/>
+          <p:cNvSpPr>
+            <a:spLocks noGrp="1"/>
+          </p:cNvSpPr>
+          <p:nvPr>
+            <p:ph idx="1"/>
+          </p:nvPr>
+        </p:nvSpPr>
+        <p:spPr/>
+        <p:txBody>
+          <a:bodyPr/>
+          <a:lstStyle/>
+          <a:p>
+            <a:r>
               <a:rPr lang="zh-CN" altLang="en-US" dirty="0" smtClean="0"/>
-              <a:t>设定</a:t>
-            </a:r>
-            <a:endParaRPr lang="zh-CN" altLang="en-US" dirty="0"/>
-          </a:p>
-        </p:txBody>
-      </p:sp>
-      <p:sp>
-        <p:nvSpPr>
-          <p:cNvPr id="3" name="内容占位符 2"/>
-          <p:cNvSpPr>
-            <a:spLocks noGrp="1"/>
-          </p:cNvSpPr>
-          <p:nvPr>
-            <p:ph idx="1"/>
-          </p:nvPr>
-        </p:nvSpPr>
-        <p:spPr/>
-        <p:txBody>
-          <a:bodyPr/>
-          <a:lstStyle/>
+              <a:t>携带更多应用信息的流抽象</a:t>
+            </a:r>
+            <a:endParaRPr lang="en-US" altLang="zh-CN" dirty="0" smtClean="0"/>
+          </a:p>
           <a:p>
             <a:r>
               <a:rPr lang="zh-CN" altLang="en-US" dirty="0" smtClean="0"/>
-              <a:t>网络为无阻塞</a:t>
+              <a:t>一个</a:t>
             </a:r>
             <a:r>
               <a:rPr lang="en-US" altLang="zh-CN" dirty="0" smtClean="0"/>
-              <a:t>M</a:t>
+              <a:t>MF</a:t>
             </a:r>
             <a:r>
               <a:rPr lang="zh-CN" altLang="en-US" dirty="0" smtClean="0"/>
-              <a:t>*</a:t>
+              <a:t>是机器上开始一部分计算所需要的全部的</a:t>
             </a:r>
             <a:r>
               <a:rPr lang="en-US" altLang="zh-CN" dirty="0" smtClean="0"/>
-              <a:t>M</a:t>
+              <a:t>flow</a:t>
             </a:r>
             <a:r>
               <a:rPr lang="zh-CN" altLang="en-US" dirty="0" smtClean="0"/>
-              <a:t>交换结构</a:t>
+              <a:t>的集合</a:t>
             </a:r>
             <a:endParaRPr lang="en-US" altLang="zh-CN" dirty="0" smtClean="0"/>
           </a:p>
           <a:p>
-            <a:r>
-              <a:rPr lang="zh-CN" altLang="en-US" dirty="0" smtClean="0"/>
-              <a:t>每个端口接收发送带宽相等</a:t>
-            </a:r>
-            <a:endParaRPr lang="en-US" altLang="zh-CN" dirty="0" smtClean="0"/>
-          </a:p>
-          <a:p>
-            <a:r>
-              <a:rPr lang="en-US" altLang="zh-CN" dirty="0" smtClean="0"/>
-              <a:t>Flow</a:t>
-            </a:r>
-            <a:r>
-              <a:rPr lang="zh-CN" altLang="en-US" dirty="0" smtClean="0"/>
-              <a:t>的源，目的以及发送数据大小已知</a:t>
-            </a:r>
-            <a:endParaRPr lang="en-US" altLang="zh-CN" dirty="0" smtClean="0"/>
-          </a:p>
-          <a:p>
-            <a:r>
-              <a:rPr lang="en-US" altLang="zh-CN" dirty="0" smtClean="0"/>
-              <a:t>Link-sharing </a:t>
-            </a:r>
-            <a:r>
-              <a:rPr lang="zh-CN" altLang="en-US" dirty="0" smtClean="0"/>
-              <a:t>与 </a:t>
-            </a:r>
-            <a:r>
-              <a:rPr lang="en-US" altLang="zh-CN" dirty="0" smtClean="0"/>
-              <a:t>Preemption </a:t>
-            </a:r>
-            <a:r>
-              <a:rPr lang="zh-CN" altLang="en-US" dirty="0" smtClean="0"/>
-              <a:t>是允许的</a:t>
-            </a:r>
             <a:endParaRPr lang="zh-CN" altLang="en-US" dirty="0"/>
           </a:p>
         </p:txBody>
@@ -5958,7 +6094,7 @@
     </p:spTree>
     <p:extLst>
       <p:ext uri="{BB962C8B-B14F-4D97-AF65-F5344CB8AC3E}">
-        <p14:creationId xmlns:p14="http://schemas.microsoft.com/office/powerpoint/2010/main" val="2186798978"/>
+        <p14:creationId xmlns:p14="http://schemas.microsoft.com/office/powerpoint/2010/main" val="941925385"/>
       </p:ext>
     </p:extLst>
   </p:cSld>
@@ -6001,47 +6137,104 @@
           <a:lstStyle/>
           <a:p>
             <a:r>
+              <a:rPr lang="zh-CN" altLang="en-US" dirty="0" smtClean="0"/>
+              <a:t>设定</a:t>
+            </a:r>
+            <a:endParaRPr lang="zh-CN" altLang="en-US" dirty="0"/>
+          </a:p>
+        </p:txBody>
+      </p:sp>
+      <p:sp>
+        <p:nvSpPr>
+          <p:cNvPr id="3" name="内容占位符 2"/>
+          <p:cNvSpPr>
+            <a:spLocks noGrp="1"/>
+          </p:cNvSpPr>
+          <p:nvPr>
+            <p:ph idx="1"/>
+          </p:nvPr>
+        </p:nvSpPr>
+        <p:spPr/>
+        <p:txBody>
+          <a:bodyPr/>
+          <a:lstStyle/>
+          <a:p>
+            <a:r>
+              <a:rPr lang="zh-CN" altLang="en-US" dirty="0" smtClean="0"/>
+              <a:t>网络为无阻塞</a:t>
+            </a:r>
+            <a:r>
               <a:rPr lang="en-US" altLang="zh-CN" dirty="0" smtClean="0"/>
-              <a:t>MF</a:t>
+              <a:t>M</a:t>
             </a:r>
             <a:r>
               <a:rPr lang="zh-CN" altLang="en-US" dirty="0" smtClean="0"/>
-              <a:t>建模</a:t>
+              <a:t>*</a:t>
+            </a:r>
+            <a:r>
+              <a:rPr lang="en-US" altLang="zh-CN" dirty="0" smtClean="0"/>
+              <a:t>M</a:t>
+            </a:r>
+            <a:r>
+              <a:rPr lang="zh-CN" altLang="en-US" dirty="0" smtClean="0"/>
+              <a:t>交换结构</a:t>
+            </a:r>
+            <a:endParaRPr lang="en-US" altLang="zh-CN" dirty="0" smtClean="0"/>
+          </a:p>
+          <a:p>
+            <a:r>
+              <a:rPr lang="zh-CN" altLang="en-US" dirty="0" smtClean="0"/>
+              <a:t>每个端口接收发送带宽相等</a:t>
+            </a:r>
+            <a:endParaRPr lang="en-US" altLang="zh-CN" dirty="0" smtClean="0"/>
+          </a:p>
+          <a:p>
+            <a:r>
+              <a:rPr lang="en-US" altLang="zh-CN" dirty="0" smtClean="0"/>
+              <a:t>Flow</a:t>
+            </a:r>
+            <a:r>
+              <a:rPr lang="zh-CN" altLang="en-US" dirty="0" smtClean="0"/>
+              <a:t>的源，目的以及发送数据大小已知</a:t>
+            </a:r>
+            <a:endParaRPr lang="en-US" altLang="zh-CN" dirty="0" smtClean="0"/>
+          </a:p>
+          <a:p>
+            <a:r>
+              <a:rPr lang="en-US" altLang="zh-CN" dirty="0" smtClean="0"/>
+              <a:t>Link-sharing </a:t>
+            </a:r>
+            <a:r>
+              <a:rPr lang="zh-CN" altLang="en-US" dirty="0" smtClean="0"/>
+              <a:t>与 </a:t>
+            </a:r>
+            <a:r>
+              <a:rPr lang="en-US" altLang="zh-CN" dirty="0" smtClean="0"/>
+              <a:t>Preemption </a:t>
+            </a:r>
+            <a:r>
+              <a:rPr lang="zh-CN" altLang="en-US" dirty="0" smtClean="0"/>
+              <a:t>是允许</a:t>
+            </a:r>
+            <a:r>
+              <a:rPr lang="zh-CN" altLang="en-US" dirty="0" smtClean="0"/>
+              <a:t>的</a:t>
+            </a:r>
+            <a:endParaRPr lang="en-US" altLang="zh-CN" dirty="0" smtClean="0"/>
+          </a:p>
+          <a:p>
+            <a:r>
+              <a:rPr lang="zh-CN" altLang="en-US" dirty="0" smtClean="0"/>
+              <a:t>使用模拟器实现</a:t>
             </a:r>
             <a:endParaRPr lang="zh-CN" altLang="en-US" dirty="0"/>
           </a:p>
         </p:txBody>
       </p:sp>
-      <p:pic>
-        <p:nvPicPr>
-          <p:cNvPr id="4" name="内容占位符 3"/>
-          <p:cNvPicPr>
-            <a:picLocks noGrp="1" noChangeAspect="1"/>
-          </p:cNvPicPr>
-          <p:nvPr>
-            <p:ph idx="1"/>
-          </p:nvPr>
-        </p:nvPicPr>
-        <p:blipFill>
-          <a:blip r:embed="rId2"/>
-          <a:stretch>
-            <a:fillRect/>
-          </a:stretch>
-        </p:blipFill>
-        <p:spPr>
-          <a:xfrm>
-            <a:off x="3174522" y="1395729"/>
-            <a:ext cx="5360938" cy="4781234"/>
-          </a:xfrm>
-          <a:prstGeom prst="rect">
-            <a:avLst/>
-          </a:prstGeom>
-        </p:spPr>
-      </p:pic>
     </p:spTree>
     <p:extLst>
       <p:ext uri="{BB962C8B-B14F-4D97-AF65-F5344CB8AC3E}">
-        <p14:creationId xmlns:p14="http://schemas.microsoft.com/office/powerpoint/2010/main" val="250189699"/>
+        <p14:creationId xmlns:p14="http://schemas.microsoft.com/office/powerpoint/2010/main" val="2186798978"/>
       </p:ext>
     </p:extLst>
   </p:cSld>
@@ -6279,36 +6472,213 @@
           <a:lstStyle/>
           <a:p>
             <a:r>
+              <a:rPr lang="en-US" altLang="zh-CN" dirty="0" smtClean="0"/>
+              <a:t>To do list</a:t>
+            </a:r>
+            <a:endParaRPr lang="zh-CN" altLang="en-US" dirty="0"/>
+          </a:p>
+        </p:txBody>
+      </p:sp>
+      <p:sp>
+        <p:nvSpPr>
+          <p:cNvPr id="3" name="内容占位符 2"/>
+          <p:cNvSpPr>
+            <a:spLocks noGrp="1"/>
+          </p:cNvSpPr>
+          <p:nvPr>
+            <p:ph idx="1"/>
+          </p:nvPr>
+        </p:nvSpPr>
+        <p:spPr/>
+        <p:txBody>
+          <a:bodyPr/>
+          <a:lstStyle/>
+          <a:p>
+            <a:r>
               <a:rPr lang="zh-CN" altLang="en-US" dirty="0" smtClean="0"/>
-              <a:t>权值的计算以及调度策略</a:t>
-            </a:r>
+              <a:t>建模，证明（</a:t>
+            </a:r>
+            <a:r>
+              <a:rPr lang="en-US" altLang="zh-CN" dirty="0" smtClean="0"/>
+              <a:t>NP</a:t>
+            </a:r>
+            <a:r>
+              <a:rPr lang="zh-CN" altLang="en-US" dirty="0" smtClean="0"/>
+              <a:t>，</a:t>
+            </a:r>
+            <a:r>
+              <a:rPr lang="en-US" altLang="zh-CN" dirty="0" err="1" smtClean="0"/>
+              <a:t>Coflow</a:t>
+            </a:r>
+            <a:r>
+              <a:rPr lang="zh-CN" altLang="en-US" dirty="0" smtClean="0"/>
+              <a:t>无法优化单任务，</a:t>
+            </a:r>
+            <a:r>
+              <a:rPr lang="zh-CN" altLang="en-US" dirty="0"/>
+              <a:t>单</a:t>
+            </a:r>
+            <a:r>
+              <a:rPr lang="zh-CN" altLang="en-US" dirty="0" smtClean="0"/>
+              <a:t>任务有无最优，启发算法下界等）</a:t>
+            </a:r>
+            <a:endParaRPr lang="en-US" altLang="zh-CN" dirty="0" smtClean="0"/>
+          </a:p>
+          <a:p>
+            <a:r>
+              <a:rPr lang="zh-CN" altLang="en-US" dirty="0" smtClean="0"/>
+              <a:t>基于</a:t>
+            </a:r>
+            <a:r>
+              <a:rPr lang="en-US" altLang="zh-CN" dirty="0" smtClean="0"/>
+              <a:t>DAG</a:t>
+            </a:r>
+            <a:r>
+              <a:rPr lang="zh-CN" altLang="en-US" dirty="0" smtClean="0"/>
+              <a:t>图设定权值的方法</a:t>
+            </a:r>
+            <a:endParaRPr lang="en-US" altLang="zh-CN" dirty="0" smtClean="0"/>
+          </a:p>
+          <a:p>
+            <a:r>
+              <a:rPr lang="zh-CN" altLang="en-US" dirty="0"/>
+              <a:t>单</a:t>
+            </a:r>
+            <a:r>
+              <a:rPr lang="zh-CN" altLang="en-US" dirty="0" smtClean="0"/>
+              <a:t>任务的调度策略</a:t>
+            </a:r>
+            <a:endParaRPr lang="en-US" altLang="zh-CN" dirty="0" smtClean="0"/>
+          </a:p>
+          <a:p>
+            <a:r>
+              <a:rPr lang="zh-CN" altLang="en-US" dirty="0" smtClean="0"/>
+              <a:t>多任务的调度策略</a:t>
+            </a:r>
+            <a:endParaRPr lang="en-US" altLang="zh-CN" dirty="0" smtClean="0"/>
+          </a:p>
+          <a:p>
+            <a:r>
+              <a:rPr lang="en-US" altLang="zh-CN" dirty="0" smtClean="0"/>
+              <a:t>API</a:t>
+            </a:r>
+            <a:r>
+              <a:rPr lang="zh-CN" altLang="en-US" dirty="0" smtClean="0"/>
+              <a:t>设定</a:t>
+            </a:r>
+            <a:endParaRPr lang="en-US" altLang="zh-CN" dirty="0" smtClean="0"/>
+          </a:p>
+          <a:p>
+            <a:endParaRPr lang="en-US" altLang="zh-CN" dirty="0" smtClean="0"/>
+          </a:p>
+          <a:p>
+            <a:endParaRPr lang="en-US" altLang="zh-CN" dirty="0" smtClean="0"/>
+          </a:p>
+          <a:p>
             <a:endParaRPr lang="zh-CN" altLang="en-US" dirty="0"/>
-          </a:p>
-        </p:txBody>
-      </p:sp>
-      <p:sp>
-        <p:nvSpPr>
-          <p:cNvPr id="3" name="内容占位符 2"/>
-          <p:cNvSpPr>
-            <a:spLocks noGrp="1"/>
-          </p:cNvSpPr>
-          <p:nvPr>
-            <p:ph idx="1"/>
-          </p:nvPr>
-        </p:nvSpPr>
-        <p:spPr/>
-        <p:txBody>
-          <a:bodyPr/>
-          <a:lstStyle/>
-          <a:p>
-            <a:endParaRPr lang="zh-CN" altLang="en-US"/>
           </a:p>
         </p:txBody>
       </p:sp>
     </p:spTree>
     <p:extLst>
       <p:ext uri="{BB962C8B-B14F-4D97-AF65-F5344CB8AC3E}">
-        <p14:creationId xmlns:p14="http://schemas.microsoft.com/office/powerpoint/2010/main" val="2199162297"/>
+        <p14:creationId xmlns:p14="http://schemas.microsoft.com/office/powerpoint/2010/main" val="2929745411"/>
+      </p:ext>
+    </p:extLst>
+  </p:cSld>
+  <p:clrMapOvr>
+    <a:masterClrMapping/>
+  </p:clrMapOvr>
+</p:sld>
+</file>
+
+<file path=ppt/slides/slide9.xml><?xml version="1.0" encoding="utf-8"?>
+<p:sld xmlns:a="http://schemas.openxmlformats.org/drawingml/2006/main" xmlns:r="http://schemas.openxmlformats.org/officeDocument/2006/relationships" xmlns:p="http://schemas.openxmlformats.org/presentationml/2006/main">
+  <p:cSld>
+    <p:spTree>
+      <p:nvGrpSpPr>
+        <p:cNvPr id="1" name=""/>
+        <p:cNvGrpSpPr/>
+        <p:nvPr/>
+      </p:nvGrpSpPr>
+      <p:grpSpPr>
+        <a:xfrm>
+          <a:off x="0" y="0"/>
+          <a:ext cx="0" cy="0"/>
+          <a:chOff x="0" y="0"/>
+          <a:chExt cx="0" cy="0"/>
+        </a:xfrm>
+      </p:grpSpPr>
+      <p:sp>
+        <p:nvSpPr>
+          <p:cNvPr id="2" name="标题 1"/>
+          <p:cNvSpPr>
+            <a:spLocks noGrp="1"/>
+          </p:cNvSpPr>
+          <p:nvPr>
+            <p:ph type="title"/>
+          </p:nvPr>
+        </p:nvSpPr>
+        <p:spPr/>
+        <p:txBody>
+          <a:bodyPr/>
+          <a:lstStyle/>
+          <a:p>
+            <a:r>
+              <a:rPr lang="zh-CN" altLang="en-US" dirty="0"/>
+              <a:t>最</a:t>
+            </a:r>
+            <a:r>
+              <a:rPr lang="zh-CN" altLang="en-US" dirty="0" smtClean="0"/>
+              <a:t>优确定解</a:t>
+            </a:r>
+            <a:endParaRPr lang="zh-CN" altLang="en-US" dirty="0"/>
+          </a:p>
+        </p:txBody>
+      </p:sp>
+      <p:sp>
+        <p:nvSpPr>
+          <p:cNvPr id="3" name="内容占位符 2"/>
+          <p:cNvSpPr>
+            <a:spLocks noGrp="1"/>
+          </p:cNvSpPr>
+          <p:nvPr>
+            <p:ph idx="1"/>
+          </p:nvPr>
+        </p:nvSpPr>
+        <p:spPr/>
+        <p:txBody>
+          <a:bodyPr/>
+          <a:lstStyle/>
+          <a:p>
+            <a:r>
+              <a:rPr lang="zh-CN" altLang="en-US" dirty="0" smtClean="0"/>
+              <a:t>对某一个</a:t>
+            </a:r>
+            <a:r>
+              <a:rPr lang="en-US" altLang="zh-CN" dirty="0" smtClean="0"/>
+              <a:t>DAG</a:t>
+            </a:r>
+            <a:r>
+              <a:rPr lang="zh-CN" altLang="en-US" dirty="0" smtClean="0"/>
+              <a:t>图，收所有</a:t>
+            </a:r>
+            <a:r>
+              <a:rPr lang="en-US" altLang="zh-CN" dirty="0" smtClean="0"/>
+              <a:t>MF</a:t>
+            </a:r>
+            <a:r>
+              <a:rPr lang="zh-CN" altLang="en-US" dirty="0" smtClean="0"/>
+              <a:t>的最优顺序是确定的</a:t>
+            </a:r>
+            <a:endParaRPr lang="zh-CN" altLang="en-US" dirty="0"/>
+          </a:p>
+        </p:txBody>
+      </p:sp>
+    </p:spTree>
+    <p:extLst>
+      <p:ext uri="{BB962C8B-B14F-4D97-AF65-F5344CB8AC3E}">
+        <p14:creationId xmlns:p14="http://schemas.microsoft.com/office/powerpoint/2010/main" val="3173503620"/>
       </p:ext>
     </p:extLst>
   </p:cSld>

--- a/document/microflow.pptx
+++ b/document/microflow.pptx
@@ -253,7 +253,7 @@
           <a:p>
             <a:fld id="{C76F50B8-0E05-42CA-B357-B3E3A76401A2}" type="datetimeFigureOut">
               <a:rPr lang="zh-CN" altLang="en-US" smtClean="0"/>
-              <a:t>2018/12/16</a:t>
+              <a:t>2018/12/17</a:t>
             </a:fld>
             <a:endParaRPr lang="zh-CN" altLang="en-US"/>
           </a:p>
@@ -423,7 +423,7 @@
           <a:p>
             <a:fld id="{C76F50B8-0E05-42CA-B357-B3E3A76401A2}" type="datetimeFigureOut">
               <a:rPr lang="zh-CN" altLang="en-US" smtClean="0"/>
-              <a:t>2018/12/16</a:t>
+              <a:t>2018/12/17</a:t>
             </a:fld>
             <a:endParaRPr lang="zh-CN" altLang="en-US"/>
           </a:p>
@@ -603,7 +603,7 @@
           <a:p>
             <a:fld id="{C76F50B8-0E05-42CA-B357-B3E3A76401A2}" type="datetimeFigureOut">
               <a:rPr lang="zh-CN" altLang="en-US" smtClean="0"/>
-              <a:t>2018/12/16</a:t>
+              <a:t>2018/12/17</a:t>
             </a:fld>
             <a:endParaRPr lang="zh-CN" altLang="en-US"/>
           </a:p>
@@ -773,7 +773,7 @@
           <a:p>
             <a:fld id="{C76F50B8-0E05-42CA-B357-B3E3A76401A2}" type="datetimeFigureOut">
               <a:rPr lang="zh-CN" altLang="en-US" smtClean="0"/>
-              <a:t>2018/12/16</a:t>
+              <a:t>2018/12/17</a:t>
             </a:fld>
             <a:endParaRPr lang="zh-CN" altLang="en-US"/>
           </a:p>
@@ -1019,7 +1019,7 @@
           <a:p>
             <a:fld id="{C76F50B8-0E05-42CA-B357-B3E3A76401A2}" type="datetimeFigureOut">
               <a:rPr lang="zh-CN" altLang="en-US" smtClean="0"/>
-              <a:t>2018/12/16</a:t>
+              <a:t>2018/12/17</a:t>
             </a:fld>
             <a:endParaRPr lang="zh-CN" altLang="en-US"/>
           </a:p>
@@ -1251,7 +1251,7 @@
           <a:p>
             <a:fld id="{C76F50B8-0E05-42CA-B357-B3E3A76401A2}" type="datetimeFigureOut">
               <a:rPr lang="zh-CN" altLang="en-US" smtClean="0"/>
-              <a:t>2018/12/16</a:t>
+              <a:t>2018/12/17</a:t>
             </a:fld>
             <a:endParaRPr lang="zh-CN" altLang="en-US"/>
           </a:p>
@@ -1618,7 +1618,7 @@
           <a:p>
             <a:fld id="{C76F50B8-0E05-42CA-B357-B3E3A76401A2}" type="datetimeFigureOut">
               <a:rPr lang="zh-CN" altLang="en-US" smtClean="0"/>
-              <a:t>2018/12/16</a:t>
+              <a:t>2018/12/17</a:t>
             </a:fld>
             <a:endParaRPr lang="zh-CN" altLang="en-US"/>
           </a:p>
@@ -1736,7 +1736,7 @@
           <a:p>
             <a:fld id="{C76F50B8-0E05-42CA-B357-B3E3A76401A2}" type="datetimeFigureOut">
               <a:rPr lang="zh-CN" altLang="en-US" smtClean="0"/>
-              <a:t>2018/12/16</a:t>
+              <a:t>2018/12/17</a:t>
             </a:fld>
             <a:endParaRPr lang="zh-CN" altLang="en-US"/>
           </a:p>
@@ -1831,7 +1831,7 @@
           <a:p>
             <a:fld id="{C76F50B8-0E05-42CA-B357-B3E3A76401A2}" type="datetimeFigureOut">
               <a:rPr lang="zh-CN" altLang="en-US" smtClean="0"/>
-              <a:t>2018/12/16</a:t>
+              <a:t>2018/12/17</a:t>
             </a:fld>
             <a:endParaRPr lang="zh-CN" altLang="en-US"/>
           </a:p>
@@ -2108,7 +2108,7 @@
           <a:p>
             <a:fld id="{C76F50B8-0E05-42CA-B357-B3E3A76401A2}" type="datetimeFigureOut">
               <a:rPr lang="zh-CN" altLang="en-US" smtClean="0"/>
-              <a:t>2018/12/16</a:t>
+              <a:t>2018/12/17</a:t>
             </a:fld>
             <a:endParaRPr lang="zh-CN" altLang="en-US"/>
           </a:p>
@@ -2361,7 +2361,7 @@
           <a:p>
             <a:fld id="{C76F50B8-0E05-42CA-B357-B3E3A76401A2}" type="datetimeFigureOut">
               <a:rPr lang="zh-CN" altLang="en-US" smtClean="0"/>
-              <a:t>2018/12/16</a:t>
+              <a:t>2018/12/17</a:t>
             </a:fld>
             <a:endParaRPr lang="zh-CN" altLang="en-US"/>
           </a:p>
@@ -2574,7 +2574,7 @@
           <a:p>
             <a:fld id="{C76F50B8-0E05-42CA-B357-B3E3A76401A2}" type="datetimeFigureOut">
               <a:rPr lang="zh-CN" altLang="en-US" smtClean="0"/>
-              <a:t>2018/12/16</a:t>
+              <a:t>2018/12/17</a:t>
             </a:fld>
             <a:endParaRPr lang="zh-CN" altLang="en-US"/>
           </a:p>
@@ -6224,6 +6224,13 @@
           </a:p>
           <a:p>
             <a:r>
+              <a:rPr lang="en-US" altLang="zh-CN" dirty="0"/>
+              <a:t>incomplete-information-available</a:t>
+            </a:r>
+            <a:endParaRPr lang="en-US" altLang="zh-CN" dirty="0" smtClean="0"/>
+          </a:p>
+          <a:p>
+            <a:r>
               <a:rPr lang="zh-CN" altLang="en-US" dirty="0" smtClean="0"/>
               <a:t>使用模拟器实现</a:t>
             </a:r>

--- a/document/microflow.pptx
+++ b/document/microflow.pptx
@@ -253,7 +253,7 @@
           <a:p>
             <a:fld id="{C76F50B8-0E05-42CA-B357-B3E3A76401A2}" type="datetimeFigureOut">
               <a:rPr lang="zh-CN" altLang="en-US" smtClean="0"/>
-              <a:t>2018/12/17</a:t>
+              <a:t>2018/12/18</a:t>
             </a:fld>
             <a:endParaRPr lang="zh-CN" altLang="en-US"/>
           </a:p>
@@ -423,7 +423,7 @@
           <a:p>
             <a:fld id="{C76F50B8-0E05-42CA-B357-B3E3A76401A2}" type="datetimeFigureOut">
               <a:rPr lang="zh-CN" altLang="en-US" smtClean="0"/>
-              <a:t>2018/12/17</a:t>
+              <a:t>2018/12/18</a:t>
             </a:fld>
             <a:endParaRPr lang="zh-CN" altLang="en-US"/>
           </a:p>
@@ -603,7 +603,7 @@
           <a:p>
             <a:fld id="{C76F50B8-0E05-42CA-B357-B3E3A76401A2}" type="datetimeFigureOut">
               <a:rPr lang="zh-CN" altLang="en-US" smtClean="0"/>
-              <a:t>2018/12/17</a:t>
+              <a:t>2018/12/18</a:t>
             </a:fld>
             <a:endParaRPr lang="zh-CN" altLang="en-US"/>
           </a:p>
@@ -773,7 +773,7 @@
           <a:p>
             <a:fld id="{C76F50B8-0E05-42CA-B357-B3E3A76401A2}" type="datetimeFigureOut">
               <a:rPr lang="zh-CN" altLang="en-US" smtClean="0"/>
-              <a:t>2018/12/17</a:t>
+              <a:t>2018/12/18</a:t>
             </a:fld>
             <a:endParaRPr lang="zh-CN" altLang="en-US"/>
           </a:p>
@@ -1019,7 +1019,7 @@
           <a:p>
             <a:fld id="{C76F50B8-0E05-42CA-B357-B3E3A76401A2}" type="datetimeFigureOut">
               <a:rPr lang="zh-CN" altLang="en-US" smtClean="0"/>
-              <a:t>2018/12/17</a:t>
+              <a:t>2018/12/18</a:t>
             </a:fld>
             <a:endParaRPr lang="zh-CN" altLang="en-US"/>
           </a:p>
@@ -1251,7 +1251,7 @@
           <a:p>
             <a:fld id="{C76F50B8-0E05-42CA-B357-B3E3A76401A2}" type="datetimeFigureOut">
               <a:rPr lang="zh-CN" altLang="en-US" smtClean="0"/>
-              <a:t>2018/12/17</a:t>
+              <a:t>2018/12/18</a:t>
             </a:fld>
             <a:endParaRPr lang="zh-CN" altLang="en-US"/>
           </a:p>
@@ -1618,7 +1618,7 @@
           <a:p>
             <a:fld id="{C76F50B8-0E05-42CA-B357-B3E3A76401A2}" type="datetimeFigureOut">
               <a:rPr lang="zh-CN" altLang="en-US" smtClean="0"/>
-              <a:t>2018/12/17</a:t>
+              <a:t>2018/12/18</a:t>
             </a:fld>
             <a:endParaRPr lang="zh-CN" altLang="en-US"/>
           </a:p>
@@ -1736,7 +1736,7 @@
           <a:p>
             <a:fld id="{C76F50B8-0E05-42CA-B357-B3E3A76401A2}" type="datetimeFigureOut">
               <a:rPr lang="zh-CN" altLang="en-US" smtClean="0"/>
-              <a:t>2018/12/17</a:t>
+              <a:t>2018/12/18</a:t>
             </a:fld>
             <a:endParaRPr lang="zh-CN" altLang="en-US"/>
           </a:p>
@@ -1831,7 +1831,7 @@
           <a:p>
             <a:fld id="{C76F50B8-0E05-42CA-B357-B3E3A76401A2}" type="datetimeFigureOut">
               <a:rPr lang="zh-CN" altLang="en-US" smtClean="0"/>
-              <a:t>2018/12/17</a:t>
+              <a:t>2018/12/18</a:t>
             </a:fld>
             <a:endParaRPr lang="zh-CN" altLang="en-US"/>
           </a:p>
@@ -2108,7 +2108,7 @@
           <a:p>
             <a:fld id="{C76F50B8-0E05-42CA-B357-B3E3A76401A2}" type="datetimeFigureOut">
               <a:rPr lang="zh-CN" altLang="en-US" smtClean="0"/>
-              <a:t>2018/12/17</a:t>
+              <a:t>2018/12/18</a:t>
             </a:fld>
             <a:endParaRPr lang="zh-CN" altLang="en-US"/>
           </a:p>
@@ -2361,7 +2361,7 @@
           <a:p>
             <a:fld id="{C76F50B8-0E05-42CA-B357-B3E3A76401A2}" type="datetimeFigureOut">
               <a:rPr lang="zh-CN" altLang="en-US" smtClean="0"/>
-              <a:t>2018/12/17</a:t>
+              <a:t>2018/12/18</a:t>
             </a:fld>
             <a:endParaRPr lang="zh-CN" altLang="en-US"/>
           </a:p>
@@ -2574,7 +2574,7 @@
           <a:p>
             <a:fld id="{C76F50B8-0E05-42CA-B357-B3E3A76401A2}" type="datetimeFigureOut">
               <a:rPr lang="zh-CN" altLang="en-US" smtClean="0"/>
-              <a:t>2018/12/17</a:t>
+              <a:t>2018/12/18</a:t>
             </a:fld>
             <a:endParaRPr lang="zh-CN" altLang="en-US"/>
           </a:p>
@@ -6214,11 +6214,7 @@
             </a:r>
             <a:r>
               <a:rPr lang="zh-CN" altLang="en-US" dirty="0" smtClean="0"/>
-              <a:t>是允许</a:t>
-            </a:r>
-            <a:r>
-              <a:rPr lang="zh-CN" altLang="en-US" dirty="0" smtClean="0"/>
-              <a:t>的</a:t>
+              <a:t>是允许的</a:t>
             </a:r>
             <a:endParaRPr lang="en-US" altLang="zh-CN" dirty="0" smtClean="0"/>
           </a:p>
@@ -6312,53 +6308,15 @@
           <a:p>
             <a:r>
               <a:rPr lang="en-US" altLang="zh-CN" dirty="0" smtClean="0"/>
-              <a:t>1,</a:t>
+              <a:t>1</a:t>
+            </a:r>
+            <a:r>
+              <a:rPr lang="en-US" altLang="zh-CN" dirty="0" smtClean="0"/>
+              <a:t>,</a:t>
             </a:r>
             <a:r>
               <a:rPr lang="zh-CN" altLang="en-US" dirty="0" smtClean="0"/>
-              <a:t>用户提交每个机器的</a:t>
-            </a:r>
-            <a:r>
-              <a:rPr lang="en-US" altLang="zh-CN" dirty="0" smtClean="0"/>
-              <a:t>DAG</a:t>
-            </a:r>
-            <a:r>
-              <a:rPr lang="zh-CN" altLang="en-US" dirty="0" smtClean="0"/>
-              <a:t>图（一个或多个，每个</a:t>
-            </a:r>
-            <a:r>
-              <a:rPr lang="en-US" altLang="zh-CN" dirty="0" smtClean="0"/>
-              <a:t>DAG</a:t>
-            </a:r>
-            <a:r>
-              <a:rPr lang="zh-CN" altLang="en-US" dirty="0" smtClean="0"/>
-              <a:t>图中也包含流的信息）</a:t>
-            </a:r>
-            <a:endParaRPr lang="en-US" altLang="zh-CN" dirty="0" smtClean="0"/>
-          </a:p>
-          <a:p>
-            <a:r>
-              <a:rPr lang="en-US" altLang="zh-CN" dirty="0" smtClean="0"/>
-              <a:t>2,</a:t>
-            </a:r>
-            <a:r>
-              <a:rPr lang="zh-CN" altLang="en-US" dirty="0" smtClean="0"/>
-              <a:t>控制器分析</a:t>
-            </a:r>
-            <a:r>
-              <a:rPr lang="en-US" altLang="zh-CN" smtClean="0"/>
-              <a:t>DAG</a:t>
-            </a:r>
-            <a:endParaRPr lang="en-US" altLang="zh-CN" dirty="0" smtClean="0"/>
-          </a:p>
-          <a:p>
-            <a:r>
-              <a:rPr lang="en-US" altLang="zh-CN" dirty="0" smtClean="0"/>
-              <a:t>3,</a:t>
-            </a:r>
-            <a:r>
-              <a:rPr lang="zh-CN" altLang="en-US" dirty="0" smtClean="0"/>
-              <a:t>程序运行时要发</a:t>
+              <a:t>程序注册一个</a:t>
             </a:r>
             <a:r>
               <a:rPr lang="en-US" altLang="zh-CN" dirty="0" smtClean="0"/>
@@ -6366,21 +6324,30 @@
             </a:r>
             <a:r>
               <a:rPr lang="zh-CN" altLang="en-US" dirty="0" smtClean="0"/>
-              <a:t>的时候，需要指定这是哪一个</a:t>
+              <a:t>，申请发送，并指定一个初始优先级（权值）</a:t>
+            </a:r>
+            <a:endParaRPr lang="en-US" altLang="zh-CN" dirty="0" smtClean="0"/>
+          </a:p>
+          <a:p>
+            <a:r>
+              <a:rPr lang="en-US" altLang="zh-CN" dirty="0" smtClean="0"/>
+              <a:t>2</a:t>
+            </a:r>
+            <a:r>
+              <a:rPr lang="en-US" altLang="zh-CN" dirty="0" smtClean="0"/>
+              <a:t>,</a:t>
+            </a:r>
+            <a:r>
+              <a:rPr lang="zh-CN" altLang="en-US" dirty="0" smtClean="0"/>
+              <a:t>控制器每到一个时间节点，分析当前收到的</a:t>
             </a:r>
             <a:r>
               <a:rPr lang="en-US" altLang="zh-CN" dirty="0" smtClean="0"/>
               <a:t>flow</a:t>
             </a:r>
-          </a:p>
-          <a:p>
-            <a:r>
-              <a:rPr lang="en-US" altLang="zh-CN" dirty="0" smtClean="0"/>
-              <a:t>4,</a:t>
-            </a:r>
             <a:r>
               <a:rPr lang="zh-CN" altLang="en-US" dirty="0" smtClean="0"/>
-              <a:t>控制器收到需要发</a:t>
+              <a:t>，根据特征决定</a:t>
             </a:r>
             <a:r>
               <a:rPr lang="en-US" altLang="zh-CN" dirty="0" smtClean="0"/>
@@ -6388,14 +6355,33 @@
             </a:r>
             <a:r>
               <a:rPr lang="zh-CN" altLang="en-US" dirty="0" smtClean="0"/>
-              <a:t>的请求，计算其权值，然后决定调度策略</a:t>
+              <a:t>及其优先级</a:t>
             </a:r>
             <a:endParaRPr lang="en-US" altLang="zh-CN" dirty="0" smtClean="0"/>
           </a:p>
           <a:p>
             <a:r>
               <a:rPr lang="en-US" altLang="zh-CN" dirty="0" smtClean="0"/>
-              <a:t>5,</a:t>
+              <a:t>3</a:t>
+            </a:r>
+            <a:r>
+              <a:rPr lang="en-US" altLang="zh-CN" dirty="0" smtClean="0"/>
+              <a:t>,</a:t>
+            </a:r>
+            <a:r>
+              <a:rPr lang="zh-CN" altLang="en-US" dirty="0" smtClean="0"/>
+              <a:t>根据确定的优先级，控制器调度这一时间段内的流的发送</a:t>
+            </a:r>
+            <a:endParaRPr lang="en-US" altLang="zh-CN" dirty="0" smtClean="0"/>
+          </a:p>
+          <a:p>
+            <a:r>
+              <a:rPr lang="en-US" altLang="zh-CN" dirty="0"/>
+              <a:t>4</a:t>
+            </a:r>
+            <a:r>
+              <a:rPr lang="en-US" altLang="zh-CN" dirty="0" smtClean="0"/>
+              <a:t>,</a:t>
             </a:r>
             <a:r>
               <a:rPr lang="zh-CN" altLang="en-US" dirty="0" smtClean="0"/>
@@ -6407,27 +6393,35 @@
             </a:r>
             <a:r>
               <a:rPr lang="zh-CN" altLang="en-US" dirty="0" smtClean="0"/>
-              <a:t>结束后，对于收到的新</a:t>
-            </a:r>
-            <a:r>
-              <a:rPr lang="en-US" altLang="zh-CN" dirty="0" smtClean="0"/>
-              <a:t>MF</a:t>
+              <a:t>结束</a:t>
             </a:r>
             <a:r>
               <a:rPr lang="zh-CN" altLang="en-US" dirty="0" smtClean="0"/>
-              <a:t>合并以前的</a:t>
-            </a:r>
-            <a:r>
-              <a:rPr lang="en-US" altLang="zh-CN" dirty="0" smtClean="0"/>
-              <a:t>MF</a:t>
+              <a:t>后</a:t>
             </a:r>
             <a:r>
               <a:rPr lang="zh-CN" altLang="en-US" dirty="0" smtClean="0"/>
-              <a:t>，重新调度，回到</a:t>
-            </a:r>
-            <a:r>
-              <a:rPr lang="en-US" altLang="zh-CN" dirty="0" smtClean="0"/>
-              <a:t>4</a:t>
+              <a:t>，</a:t>
+            </a:r>
+            <a:r>
+              <a:rPr lang="zh-CN" altLang="en-US" dirty="0"/>
+              <a:t>控制器</a:t>
+            </a:r>
+            <a:r>
+              <a:rPr lang="zh-CN" altLang="en-US" dirty="0" smtClean="0"/>
+              <a:t>重新</a:t>
+            </a:r>
+            <a:r>
+              <a:rPr lang="zh-CN" altLang="en-US" dirty="0" smtClean="0"/>
+              <a:t>调度，</a:t>
+            </a:r>
+            <a:r>
+              <a:rPr lang="zh-CN" altLang="en-US" dirty="0" smtClean="0"/>
+              <a:t>回到</a:t>
+            </a:r>
+            <a:r>
+              <a:rPr lang="en-US" altLang="zh-CN" dirty="0"/>
+              <a:t>2</a:t>
             </a:r>
             <a:endParaRPr lang="zh-CN" altLang="en-US" dirty="0"/>
           </a:p>
@@ -6542,7 +6536,19 @@
             </a:r>
             <a:r>
               <a:rPr lang="zh-CN" altLang="en-US" dirty="0" smtClean="0"/>
-              <a:t>图设定权值的方法</a:t>
+              <a:t>图设定权值的</a:t>
+            </a:r>
+            <a:r>
+              <a:rPr lang="zh-CN" altLang="en-US" dirty="0" smtClean="0"/>
+              <a:t>方法？</a:t>
+            </a:r>
+            <a:r>
+              <a:rPr lang="en-US" altLang="zh-CN" dirty="0" smtClean="0"/>
+              <a:t>DAG</a:t>
+            </a:r>
+            <a:r>
+              <a:rPr lang="zh-CN" altLang="en-US" dirty="0" smtClean="0"/>
+              <a:t>图未知的情况下调度？</a:t>
             </a:r>
             <a:endParaRPr lang="en-US" altLang="zh-CN" dirty="0" smtClean="0"/>
           </a:p>

--- a/document/microflow.pptx
+++ b/document/microflow.pptx
@@ -6201,8 +6201,16 @@
           </a:p>
           <a:p>
             <a:r>
+              <a:rPr lang="en-US" altLang="zh-CN" dirty="0" smtClean="0">
+                <a:solidFill>
+                  <a:srgbClr val="FF0000"/>
+                </a:solidFill>
+              </a:rPr>
+              <a:t>Link-sharing</a:t>
+            </a:r>
+            <a:r>
               <a:rPr lang="en-US" altLang="zh-CN" dirty="0" smtClean="0"/>
-              <a:t>Link-sharing </a:t>
+              <a:t> </a:t>
             </a:r>
             <a:r>
               <a:rPr lang="zh-CN" altLang="en-US" dirty="0" smtClean="0"/>
@@ -6220,17 +6228,49 @@
           </a:p>
           <a:p>
             <a:r>
-              <a:rPr lang="en-US" altLang="zh-CN" dirty="0"/>
-              <a:t>incomplete-information-available</a:t>
+              <a:rPr lang="zh-CN" altLang="en-US" smtClean="0"/>
+              <a:t>使用</a:t>
+            </a:r>
+            <a:r>
+              <a:rPr lang="zh-CN" altLang="en-US" dirty="0" smtClean="0"/>
+              <a:t>模拟器</a:t>
+            </a:r>
+            <a:r>
+              <a:rPr lang="zh-CN" altLang="en-US" dirty="0" smtClean="0"/>
+              <a:t>实现</a:t>
             </a:r>
             <a:endParaRPr lang="en-US" altLang="zh-CN" dirty="0" smtClean="0"/>
           </a:p>
           <a:p>
             <a:r>
+              <a:rPr lang="zh-CN" altLang="en-US" dirty="0"/>
+              <a:t>每个</a:t>
+            </a:r>
+            <a:r>
               <a:rPr lang="zh-CN" altLang="en-US" dirty="0" smtClean="0"/>
-              <a:t>使用模拟器实现</a:t>
-            </a:r>
-            <a:endParaRPr lang="zh-CN" altLang="en-US" dirty="0"/>
+              <a:t>机器上的</a:t>
+            </a:r>
+            <a:r>
+              <a:rPr lang="en-US" altLang="zh-CN" dirty="0" smtClean="0"/>
+              <a:t>DAG</a:t>
+            </a:r>
+            <a:r>
+              <a:rPr lang="zh-CN" altLang="en-US" dirty="0" smtClean="0"/>
+              <a:t>图</a:t>
+            </a:r>
+            <a:r>
+              <a:rPr lang="zh-CN" altLang="en-US" dirty="0" smtClean="0">
+                <a:solidFill>
+                  <a:srgbClr val="FF0000"/>
+                </a:solidFill>
+              </a:rPr>
+              <a:t>知不知道？</a:t>
+            </a:r>
+            <a:endParaRPr lang="zh-CN" altLang="en-US" dirty="0">
+              <a:solidFill>
+                <a:srgbClr val="FF0000"/>
+              </a:solidFill>
+            </a:endParaRPr>
           </a:p>
         </p:txBody>
       </p:sp>
@@ -6308,7 +6348,64 @@
           <a:p>
             <a:r>
               <a:rPr lang="en-US" altLang="zh-CN" dirty="0" smtClean="0"/>
-              <a:t>1</a:t>
+              <a:t>1,</a:t>
+            </a:r>
+            <a:r>
+              <a:rPr lang="zh-CN" altLang="en-US" dirty="0" smtClean="0"/>
+              <a:t>程序注册一个</a:t>
+            </a:r>
+            <a:r>
+              <a:rPr lang="en-US" altLang="zh-CN" dirty="0" smtClean="0"/>
+              <a:t>flow</a:t>
+            </a:r>
+            <a:r>
+              <a:rPr lang="zh-CN" altLang="en-US" dirty="0" smtClean="0"/>
+              <a:t>，申请发送，并指定一个初始优先级（权值）</a:t>
+            </a:r>
+            <a:endParaRPr lang="en-US" altLang="zh-CN" dirty="0" smtClean="0"/>
+          </a:p>
+          <a:p>
+            <a:r>
+              <a:rPr lang="en-US" altLang="zh-CN" dirty="0" smtClean="0"/>
+              <a:t>2,</a:t>
+            </a:r>
+            <a:r>
+              <a:rPr lang="zh-CN" altLang="en-US" dirty="0" smtClean="0"/>
+              <a:t>控制器每到一个时间节点，分析当前收到的</a:t>
+            </a:r>
+            <a:r>
+              <a:rPr lang="en-US" altLang="zh-CN" dirty="0" smtClean="0"/>
+              <a:t>flow</a:t>
+            </a:r>
+            <a:r>
+              <a:rPr lang="zh-CN" altLang="en-US" dirty="0" smtClean="0"/>
+              <a:t>，根据特征决定</a:t>
+            </a:r>
+            <a:r>
+              <a:rPr lang="en-US" altLang="zh-CN" dirty="0" smtClean="0"/>
+              <a:t>MF</a:t>
+            </a:r>
+            <a:r>
+              <a:rPr lang="zh-CN" altLang="en-US" dirty="0" smtClean="0"/>
+              <a:t>及其优先级</a:t>
+            </a:r>
+            <a:endParaRPr lang="en-US" altLang="zh-CN" dirty="0" smtClean="0"/>
+          </a:p>
+          <a:p>
+            <a:r>
+              <a:rPr lang="en-US" altLang="zh-CN" dirty="0" smtClean="0"/>
+              <a:t>3,</a:t>
+            </a:r>
+            <a:r>
+              <a:rPr lang="zh-CN" altLang="en-US" dirty="0" smtClean="0"/>
+              <a:t>根据确定的优先级，控制器调度这一时间段内的流的发送</a:t>
+            </a:r>
+            <a:endParaRPr lang="en-US" altLang="zh-CN" dirty="0" smtClean="0"/>
+          </a:p>
+          <a:p>
+            <a:r>
+              <a:rPr lang="en-US" altLang="zh-CN" dirty="0"/>
+              <a:t>4</a:t>
             </a:r>
             <a:r>
               <a:rPr lang="en-US" altLang="zh-CN" dirty="0" smtClean="0"/>
@@ -6316,75 +6413,6 @@
             </a:r>
             <a:r>
               <a:rPr lang="zh-CN" altLang="en-US" dirty="0" smtClean="0"/>
-              <a:t>程序注册一个</a:t>
-            </a:r>
-            <a:r>
-              <a:rPr lang="en-US" altLang="zh-CN" dirty="0" smtClean="0"/>
-              <a:t>flow</a:t>
-            </a:r>
-            <a:r>
-              <a:rPr lang="zh-CN" altLang="en-US" dirty="0" smtClean="0"/>
-              <a:t>，申请发送，并指定一个初始优先级（权值）</a:t>
-            </a:r>
-            <a:endParaRPr lang="en-US" altLang="zh-CN" dirty="0" smtClean="0"/>
-          </a:p>
-          <a:p>
-            <a:r>
-              <a:rPr lang="en-US" altLang="zh-CN" dirty="0" smtClean="0"/>
-              <a:t>2</a:t>
-            </a:r>
-            <a:r>
-              <a:rPr lang="en-US" altLang="zh-CN" dirty="0" smtClean="0"/>
-              <a:t>,</a:t>
-            </a:r>
-            <a:r>
-              <a:rPr lang="zh-CN" altLang="en-US" dirty="0" smtClean="0"/>
-              <a:t>控制器每到一个时间节点，分析当前收到的</a:t>
-            </a:r>
-            <a:r>
-              <a:rPr lang="en-US" altLang="zh-CN" dirty="0" smtClean="0"/>
-              <a:t>flow</a:t>
-            </a:r>
-            <a:r>
-              <a:rPr lang="zh-CN" altLang="en-US" dirty="0" smtClean="0"/>
-              <a:t>，根据特征决定</a:t>
-            </a:r>
-            <a:r>
-              <a:rPr lang="en-US" altLang="zh-CN" dirty="0" smtClean="0"/>
-              <a:t>MF</a:t>
-            </a:r>
-            <a:r>
-              <a:rPr lang="zh-CN" altLang="en-US" dirty="0" smtClean="0"/>
-              <a:t>及其优先级</a:t>
-            </a:r>
-            <a:endParaRPr lang="en-US" altLang="zh-CN" dirty="0" smtClean="0"/>
-          </a:p>
-          <a:p>
-            <a:r>
-              <a:rPr lang="en-US" altLang="zh-CN" dirty="0" smtClean="0"/>
-              <a:t>3</a:t>
-            </a:r>
-            <a:r>
-              <a:rPr lang="en-US" altLang="zh-CN" dirty="0" smtClean="0"/>
-              <a:t>,</a:t>
-            </a:r>
-            <a:r>
-              <a:rPr lang="zh-CN" altLang="en-US" dirty="0" smtClean="0"/>
-              <a:t>根据确定的优先级，控制器调度这一时间段内的流的发送</a:t>
-            </a:r>
-            <a:endParaRPr lang="en-US" altLang="zh-CN" dirty="0" smtClean="0"/>
-          </a:p>
-          <a:p>
-            <a:r>
-              <a:rPr lang="en-US" altLang="zh-CN" dirty="0"/>
-              <a:t>4</a:t>
-            </a:r>
-            <a:r>
-              <a:rPr lang="en-US" altLang="zh-CN" dirty="0" smtClean="0"/>
-              <a:t>,</a:t>
-            </a:r>
-            <a:r>
-              <a:rPr lang="zh-CN" altLang="en-US" dirty="0" smtClean="0"/>
               <a:t>每一个</a:t>
             </a:r>
             <a:r>
@@ -6393,15 +6421,7 @@
             </a:r>
             <a:r>
               <a:rPr lang="zh-CN" altLang="en-US" dirty="0" smtClean="0"/>
-              <a:t>结束</a:t>
-            </a:r>
-            <a:r>
-              <a:rPr lang="zh-CN" altLang="en-US" dirty="0" smtClean="0"/>
-              <a:t>后</a:t>
-            </a:r>
-            <a:r>
-              <a:rPr lang="zh-CN" altLang="en-US" dirty="0" smtClean="0"/>
-              <a:t>，</a:t>
+              <a:t>结束后，</a:t>
             </a:r>
             <a:r>
               <a:rPr lang="zh-CN" altLang="en-US" dirty="0"/>
@@ -6409,15 +6429,7 @@
             </a:r>
             <a:r>
               <a:rPr lang="zh-CN" altLang="en-US" dirty="0" smtClean="0"/>
-              <a:t>重新</a:t>
-            </a:r>
-            <a:r>
-              <a:rPr lang="zh-CN" altLang="en-US" dirty="0" smtClean="0"/>
-              <a:t>调度，</a:t>
-            </a:r>
-            <a:r>
-              <a:rPr lang="zh-CN" altLang="en-US" dirty="0" smtClean="0"/>
-              <a:t>回到</a:t>
+              <a:t>重新调度，回到</a:t>
             </a:r>
             <a:r>
               <a:rPr lang="en-US" altLang="zh-CN" dirty="0"/>
@@ -6536,11 +6548,7 @@
             </a:r>
             <a:r>
               <a:rPr lang="zh-CN" altLang="en-US" dirty="0" smtClean="0"/>
-              <a:t>图设定权值的</a:t>
-            </a:r>
-            <a:r>
-              <a:rPr lang="zh-CN" altLang="en-US" dirty="0" smtClean="0"/>
-              <a:t>方法？</a:t>
+              <a:t>图设定权值的方法？</a:t>
             </a:r>
             <a:r>
               <a:rPr lang="en-US" altLang="zh-CN" dirty="0" smtClean="0"/>

--- a/document/microflow.pptx
+++ b/document/microflow.pptx
@@ -13,9 +13,9 @@
     <p:sldId id="263" r:id="rId7"/>
     <p:sldId id="261" r:id="rId8"/>
     <p:sldId id="265" r:id="rId9"/>
-    <p:sldId id="264" r:id="rId10"/>
-    <p:sldId id="262" r:id="rId11"/>
-    <p:sldId id="260" r:id="rId12"/>
+    <p:sldId id="262" r:id="rId10"/>
+    <p:sldId id="260" r:id="rId11"/>
+    <p:sldId id="267" r:id="rId12"/>
   </p:sldIdLst>
   <p:sldSz cx="12192000" cy="6858000"/>
   <p:notesSz cx="6858000" cy="9144000"/>
@@ -3071,28 +3071,132 @@
           <a:lstStyle/>
           <a:p>
             <a:r>
+              <a:rPr lang="en-US" altLang="zh-CN" dirty="0" smtClean="0"/>
+              <a:t>MF</a:t>
+            </a:r>
+            <a:r>
               <a:rPr lang="zh-CN" altLang="en-US" dirty="0" smtClean="0"/>
-              <a:t>权值的计算以及调度策略</a:t>
+              <a:t>建模</a:t>
             </a:r>
             <a:endParaRPr lang="zh-CN" altLang="en-US" dirty="0"/>
           </a:p>
         </p:txBody>
       </p:sp>
-      <p:sp>
-        <p:nvSpPr>
-          <p:cNvPr id="3" name="内容占位符 2"/>
-          <p:cNvSpPr>
-            <a:spLocks noGrp="1"/>
-          </p:cNvSpPr>
-          <p:nvPr>
-            <p:ph idx="1"/>
-          </p:nvPr>
-        </p:nvSpPr>
-        <p:spPr/>
-        <p:txBody>
-          <a:bodyPr/>
-          <a:lstStyle/>
-          <a:p>
+      <p:pic>
+        <p:nvPicPr>
+          <p:cNvPr id="5" name="图片 4"/>
+          <p:cNvPicPr>
+            <a:picLocks noChangeAspect="1"/>
+          </p:cNvPicPr>
+          <p:nvPr/>
+        </p:nvPicPr>
+        <p:blipFill>
+          <a:blip r:embed="rId2"/>
+          <a:stretch>
+            <a:fillRect/>
+          </a:stretch>
+        </p:blipFill>
+        <p:spPr>
+          <a:xfrm>
+            <a:off x="5758940" y="1814241"/>
+            <a:ext cx="4676775" cy="3667125"/>
+          </a:xfrm>
+          <a:prstGeom prst="rect">
+            <a:avLst/>
+          </a:prstGeom>
+        </p:spPr>
+      </p:pic>
+      <p:pic>
+        <p:nvPicPr>
+          <p:cNvPr id="6" name="图片 5"/>
+          <p:cNvPicPr>
+            <a:picLocks noChangeAspect="1"/>
+          </p:cNvPicPr>
+          <p:nvPr/>
+        </p:nvPicPr>
+        <p:blipFill>
+          <a:blip r:embed="rId3"/>
+          <a:stretch>
+            <a:fillRect/>
+          </a:stretch>
+        </p:blipFill>
+        <p:spPr>
+          <a:xfrm>
+            <a:off x="917096" y="2082919"/>
+            <a:ext cx="3905250" cy="1924050"/>
+          </a:xfrm>
+          <a:prstGeom prst="rect">
+            <a:avLst/>
+          </a:prstGeom>
+        </p:spPr>
+      </p:pic>
+      <p:pic>
+        <p:nvPicPr>
+          <p:cNvPr id="7" name="图片 6"/>
+          <p:cNvPicPr>
+            <a:picLocks noChangeAspect="1"/>
+          </p:cNvPicPr>
+          <p:nvPr/>
+        </p:nvPicPr>
+        <p:blipFill>
+          <a:blip r:embed="rId4"/>
+          <a:stretch>
+            <a:fillRect/>
+          </a:stretch>
+        </p:blipFill>
+        <p:spPr>
+          <a:xfrm>
+            <a:off x="550383" y="4058547"/>
+            <a:ext cx="4638675" cy="1457325"/>
+          </a:xfrm>
+          <a:prstGeom prst="rect">
+            <a:avLst/>
+          </a:prstGeom>
+        </p:spPr>
+      </p:pic>
+      <p:sp>
+        <p:nvSpPr>
+          <p:cNvPr id="8" name="矩形 7"/>
+          <p:cNvSpPr/>
+          <p:nvPr/>
+        </p:nvSpPr>
+        <p:spPr>
+          <a:xfrm>
+            <a:off x="5758941" y="2449902"/>
+            <a:ext cx="4676775" cy="327804"/>
+          </a:xfrm>
+          <a:prstGeom prst="rect">
+            <a:avLst/>
+          </a:prstGeom>
+          <a:noFill/>
+          <a:ln w="28575">
+            <a:solidFill>
+              <a:srgbClr val="FF0000"/>
+            </a:solidFill>
+            <a:prstDash val="dash"/>
+          </a:ln>
+        </p:spPr>
+        <p:style>
+          <a:lnRef idx="2">
+            <a:schemeClr val="accent1">
+              <a:shade val="50000"/>
+            </a:schemeClr>
+          </a:lnRef>
+          <a:fillRef idx="1">
+            <a:schemeClr val="accent1"/>
+          </a:fillRef>
+          <a:effectRef idx="0">
+            <a:schemeClr val="accent1"/>
+          </a:effectRef>
+          <a:fontRef idx="minor">
+            <a:schemeClr val="lt1"/>
+          </a:fontRef>
+        </p:style>
+        <p:txBody>
+          <a:bodyPr rtlCol="0" anchor="ctr"/>
+          <a:lstStyle/>
+          <a:p>
+            <a:pPr algn="ctr"/>
             <a:endParaRPr lang="zh-CN" altLang="en-US"/>
           </a:p>
         </p:txBody>
@@ -3100,7 +3204,7 @@
     </p:spTree>
     <p:extLst>
       <p:ext uri="{BB962C8B-B14F-4D97-AF65-F5344CB8AC3E}">
-        <p14:creationId xmlns:p14="http://schemas.microsoft.com/office/powerpoint/2010/main" val="2199162297"/>
+        <p14:creationId xmlns:p14="http://schemas.microsoft.com/office/powerpoint/2010/main" val="250189699"/>
       </p:ext>
     </p:extLst>
   </p:cSld>
@@ -3143,47 +3247,208 @@
           <a:lstStyle/>
           <a:p>
             <a:r>
+              <a:rPr lang="zh-CN" altLang="en-US" dirty="0" smtClean="0"/>
+              <a:t>代码结构</a:t>
+            </a:r>
+            <a:endParaRPr lang="zh-CN" altLang="en-US" dirty="0"/>
+          </a:p>
+        </p:txBody>
+      </p:sp>
+      <p:sp>
+        <p:nvSpPr>
+          <p:cNvPr id="3" name="内容占位符 2"/>
+          <p:cNvSpPr>
+            <a:spLocks noGrp="1"/>
+          </p:cNvSpPr>
+          <p:nvPr>
+            <p:ph idx="1"/>
+          </p:nvPr>
+        </p:nvSpPr>
+        <p:spPr/>
+        <p:txBody>
+          <a:bodyPr/>
+          <a:lstStyle/>
+          <a:p>
+            <a:r>
+              <a:rPr lang="en-US" altLang="zh-CN" dirty="0"/>
+              <a:t>s</a:t>
+            </a:r>
+            <a:r>
               <a:rPr lang="en-US" altLang="zh-CN" dirty="0" smtClean="0"/>
-              <a:t>MF</a:t>
+              <a:t>imulator</a:t>
+            </a:r>
+          </a:p>
+          <a:p>
+            <a:pPr lvl="1"/>
+            <a:r>
+              <a:rPr lang="en-US" altLang="zh-CN" dirty="0" smtClean="0"/>
+              <a:t>RunSimulation.py  </a:t>
             </a:r>
             <a:r>
               <a:rPr lang="zh-CN" altLang="en-US" dirty="0" smtClean="0"/>
-              <a:t>建模</a:t>
-            </a:r>
+              <a:t>程序入口</a:t>
+            </a:r>
+            <a:endParaRPr lang="en-US" altLang="zh-CN" dirty="0" smtClean="0"/>
+          </a:p>
+          <a:p>
+            <a:pPr lvl="1"/>
+            <a:r>
+              <a:rPr lang="en-US" altLang="zh-CN" dirty="0" smtClean="0"/>
+              <a:t>JobCollection.py  </a:t>
+            </a:r>
+            <a:r>
+              <a:rPr lang="zh-CN" altLang="en-US" dirty="0" smtClean="0"/>
+              <a:t>所有</a:t>
+            </a:r>
+            <a:r>
+              <a:rPr lang="en-US" altLang="zh-CN" dirty="0" smtClean="0"/>
+              <a:t>job</a:t>
+            </a:r>
+            <a:r>
+              <a:rPr lang="zh-CN" altLang="en-US" dirty="0" smtClean="0"/>
+              <a:t>的集合</a:t>
+            </a:r>
+            <a:endParaRPr lang="en-US" altLang="zh-CN" dirty="0" smtClean="0"/>
+          </a:p>
+          <a:p>
+            <a:pPr lvl="2"/>
+            <a:r>
+              <a:rPr lang="en-US" altLang="zh-CN" dirty="0" smtClean="0"/>
+              <a:t>Flow.py </a:t>
+            </a:r>
+            <a:r>
+              <a:rPr lang="zh-CN" altLang="en-US" dirty="0"/>
+              <a:t>一</a:t>
+            </a:r>
+            <a:r>
+              <a:rPr lang="zh-CN" altLang="en-US" dirty="0" smtClean="0"/>
+              <a:t>个</a:t>
+            </a:r>
+            <a:r>
+              <a:rPr lang="en-US" altLang="zh-CN" dirty="0" smtClean="0"/>
+              <a:t>flow</a:t>
+            </a:r>
+          </a:p>
+          <a:p>
+            <a:pPr lvl="2"/>
+            <a:r>
+              <a:rPr lang="en-US" altLang="zh-CN" dirty="0"/>
+              <a:t>DAG.py </a:t>
+            </a:r>
+            <a:r>
+              <a:rPr lang="zh-CN" altLang="en-US" dirty="0" smtClean="0"/>
+              <a:t>一个</a:t>
+            </a:r>
+            <a:r>
+              <a:rPr lang="en-US" altLang="zh-CN" dirty="0" smtClean="0"/>
+              <a:t>DAG</a:t>
+            </a:r>
+            <a:r>
+              <a:rPr lang="zh-CN" altLang="en-US" dirty="0" smtClean="0"/>
+              <a:t>图</a:t>
+            </a:r>
+            <a:endParaRPr lang="en-US" altLang="zh-CN" dirty="0"/>
+          </a:p>
+          <a:p>
+            <a:pPr lvl="2"/>
+            <a:r>
+              <a:rPr lang="en-US" altLang="zh-CN" dirty="0"/>
+              <a:t>Reducer.py </a:t>
+            </a:r>
+            <a:r>
+              <a:rPr lang="zh-CN" altLang="en-US" dirty="0"/>
+              <a:t>每一个</a:t>
+            </a:r>
+            <a:r>
+              <a:rPr lang="en-US" altLang="zh-CN" dirty="0"/>
+              <a:t>job</a:t>
+            </a:r>
+            <a:r>
+              <a:rPr lang="zh-CN" altLang="en-US" dirty="0"/>
+              <a:t>有多个</a:t>
+            </a:r>
+            <a:r>
+              <a:rPr lang="en-US" altLang="zh-CN" dirty="0" smtClean="0"/>
+              <a:t>reducer</a:t>
+            </a:r>
+          </a:p>
+          <a:p>
+            <a:pPr lvl="2"/>
+            <a:r>
+              <a:rPr lang="en-US" altLang="zh-CN" dirty="0" smtClean="0"/>
+              <a:t>Job.py </a:t>
+            </a:r>
+            <a:r>
+              <a:rPr lang="zh-CN" altLang="en-US" dirty="0" smtClean="0"/>
+              <a:t>一个</a:t>
+            </a:r>
+            <a:r>
+              <a:rPr lang="en-US" altLang="zh-CN" dirty="0" smtClean="0"/>
+              <a:t>job</a:t>
+            </a:r>
+            <a:r>
+              <a:rPr lang="zh-CN" altLang="en-US" dirty="0" smtClean="0"/>
+              <a:t>，</a:t>
+            </a:r>
+            <a:r>
+              <a:rPr lang="en-US" altLang="zh-CN" dirty="0" smtClean="0"/>
+              <a:t>trace</a:t>
+            </a:r>
+            <a:r>
+              <a:rPr lang="zh-CN" altLang="en-US" dirty="0" smtClean="0"/>
+              <a:t>中的一行</a:t>
+            </a:r>
+            <a:endParaRPr lang="en-US" altLang="zh-CN" dirty="0" smtClean="0"/>
+          </a:p>
+          <a:p>
+            <a:pPr lvl="2"/>
+            <a:r>
+              <a:rPr lang="en-US" altLang="zh-CN" dirty="0" smtClean="0"/>
+              <a:t>TraceProducer.py </a:t>
+            </a:r>
+            <a:r>
+              <a:rPr lang="zh-CN" altLang="en-US" dirty="0"/>
+              <a:t>生成</a:t>
+            </a:r>
+            <a:r>
+              <a:rPr lang="en-US" altLang="zh-CN" dirty="0" smtClean="0"/>
+              <a:t>trace</a:t>
+            </a:r>
+          </a:p>
+          <a:p>
+            <a:pPr lvl="1"/>
+            <a:r>
+              <a:rPr lang="en-US" altLang="zh-CN" dirty="0" smtClean="0"/>
+              <a:t>Scheduler.py </a:t>
+            </a:r>
+            <a:r>
+              <a:rPr lang="zh-CN" altLang="en-US" dirty="0" smtClean="0"/>
+              <a:t>调度器</a:t>
+            </a:r>
+            <a:endParaRPr lang="en-US" altLang="zh-CN" dirty="0" smtClean="0"/>
+          </a:p>
+          <a:p>
+            <a:pPr lvl="2"/>
+            <a:r>
+              <a:rPr lang="en-US" altLang="zh-CN" dirty="0" smtClean="0"/>
+              <a:t>Switch.py  </a:t>
+            </a:r>
+            <a:r>
+              <a:rPr lang="zh-CN" altLang="en-US" dirty="0" smtClean="0"/>
+              <a:t>网络使用情况</a:t>
+            </a:r>
+            <a:endParaRPr lang="en-US" altLang="zh-CN" dirty="0" smtClean="0"/>
+          </a:p>
+          <a:p>
+            <a:pPr lvl="1"/>
             <a:endParaRPr lang="zh-CN" altLang="en-US" dirty="0"/>
           </a:p>
         </p:txBody>
       </p:sp>
-      <p:pic>
-        <p:nvPicPr>
-          <p:cNvPr id="4" name="内容占位符 3"/>
-          <p:cNvPicPr>
-            <a:picLocks noGrp="1" noChangeAspect="1"/>
-          </p:cNvPicPr>
-          <p:nvPr>
-            <p:ph idx="1"/>
-          </p:nvPr>
-        </p:nvPicPr>
-        <p:blipFill>
-          <a:blip r:embed="rId2"/>
-          <a:stretch>
-            <a:fillRect/>
-          </a:stretch>
-        </p:blipFill>
-        <p:spPr>
-          <a:xfrm>
-            <a:off x="3174522" y="1395729"/>
-            <a:ext cx="5360938" cy="4781234"/>
-          </a:xfrm>
-          <a:prstGeom prst="rect">
-            <a:avLst/>
-          </a:prstGeom>
-        </p:spPr>
-      </p:pic>
     </p:spTree>
     <p:extLst>
       <p:ext uri="{BB962C8B-B14F-4D97-AF65-F5344CB8AC3E}">
-        <p14:creationId xmlns:p14="http://schemas.microsoft.com/office/powerpoint/2010/main" val="250189699"/>
+        <p14:creationId xmlns:p14="http://schemas.microsoft.com/office/powerpoint/2010/main" val="2478918091"/>
       </p:ext>
     </p:extLst>
   </p:cSld>
@@ -6228,7 +6493,7 @@
           </a:p>
           <a:p>
             <a:r>
-              <a:rPr lang="zh-CN" altLang="en-US" smtClean="0"/>
+              <a:rPr lang="zh-CN" altLang="en-US" dirty="0" smtClean="0"/>
               <a:t>使用</a:t>
             </a:r>
             <a:r>
@@ -6360,14 +6625,22 @@
             </a:r>
             <a:r>
               <a:rPr lang="zh-CN" altLang="en-US" dirty="0" smtClean="0"/>
-              <a:t>，申请发送，并指定一个初始优先级（权值）</a:t>
+              <a:t>，申请发送</a:t>
+            </a:r>
+            <a:r>
+              <a:rPr lang="zh-CN" altLang="en-US" dirty="0" smtClean="0"/>
+              <a:t>，</a:t>
             </a:r>
             <a:endParaRPr lang="en-US" altLang="zh-CN" dirty="0" smtClean="0"/>
           </a:p>
           <a:p>
             <a:r>
               <a:rPr lang="en-US" altLang="zh-CN" dirty="0" smtClean="0"/>
-              <a:t>2,</a:t>
+              <a:t>2</a:t>
+            </a:r>
+            <a:r>
+              <a:rPr lang="en-US" altLang="zh-CN" dirty="0" smtClean="0"/>
+              <a:t>,</a:t>
             </a:r>
             <a:r>
               <a:rPr lang="zh-CN" altLang="en-US" dirty="0" smtClean="0"/>
@@ -6525,15 +6798,15 @@
             </a:r>
             <a:r>
               <a:rPr lang="zh-CN" altLang="en-US" dirty="0" smtClean="0"/>
-              <a:t>无法优化单任务，</a:t>
-            </a:r>
-            <a:r>
-              <a:rPr lang="zh-CN" altLang="en-US" dirty="0"/>
-              <a:t>单</a:t>
+              <a:t>无法优化单任务</a:t>
             </a:r>
             <a:r>
               <a:rPr lang="zh-CN" altLang="en-US" dirty="0" smtClean="0"/>
-              <a:t>任务有无最优，启发算法下界等）</a:t>
+              <a:t>，启发算法</a:t>
+            </a:r>
+            <a:r>
+              <a:rPr lang="zh-CN" altLang="en-US" dirty="0" smtClean="0"/>
+              <a:t>下界等）</a:t>
             </a:r>
             <a:endParaRPr lang="en-US" altLang="zh-CN" dirty="0" smtClean="0"/>
           </a:p>
@@ -6646,12 +6919,8 @@
           <a:lstStyle/>
           <a:p>
             <a:r>
-              <a:rPr lang="zh-CN" altLang="en-US" dirty="0"/>
-              <a:t>最</a:t>
-            </a:r>
-            <a:r>
               <a:rPr lang="zh-CN" altLang="en-US" dirty="0" smtClean="0"/>
-              <a:t>优确定解</a:t>
+              <a:t>权值的计算以及调度策略</a:t>
             </a:r>
             <a:endParaRPr lang="zh-CN" altLang="en-US" dirty="0"/>
           </a:p>
@@ -6672,34 +6941,14 @@
           <a:bodyPr/>
           <a:lstStyle/>
           <a:p>
-            <a:r>
-              <a:rPr lang="zh-CN" altLang="en-US" dirty="0" smtClean="0"/>
-              <a:t>对某一个</a:t>
-            </a:r>
-            <a:r>
-              <a:rPr lang="en-US" altLang="zh-CN" dirty="0" smtClean="0"/>
-              <a:t>DAG</a:t>
-            </a:r>
-            <a:r>
-              <a:rPr lang="zh-CN" altLang="en-US" dirty="0" smtClean="0"/>
-              <a:t>图，收所有</a:t>
-            </a:r>
-            <a:r>
-              <a:rPr lang="en-US" altLang="zh-CN" dirty="0" smtClean="0"/>
-              <a:t>MF</a:t>
-            </a:r>
-            <a:r>
-              <a:rPr lang="zh-CN" altLang="en-US" dirty="0" smtClean="0"/>
-              <a:t>的最优顺序是确定的</a:t>
-            </a:r>
-            <a:endParaRPr lang="zh-CN" altLang="en-US" dirty="0"/>
+            <a:endParaRPr lang="zh-CN" altLang="en-US"/>
           </a:p>
         </p:txBody>
       </p:sp>
     </p:spTree>
     <p:extLst>
       <p:ext uri="{BB962C8B-B14F-4D97-AF65-F5344CB8AC3E}">
-        <p14:creationId xmlns:p14="http://schemas.microsoft.com/office/powerpoint/2010/main" val="3173503620"/>
+        <p14:creationId xmlns:p14="http://schemas.microsoft.com/office/powerpoint/2010/main" val="2199162297"/>
       </p:ext>
     </p:extLst>
   </p:cSld>

--- a/document/microflow.pptx
+++ b/document/microflow.pptx
@@ -3328,6 +3328,19 @@
               <a:rPr lang="en-US" altLang="zh-CN" dirty="0" smtClean="0"/>
               <a:t>flow</a:t>
             </a:r>
+            <a:r>
+              <a:rPr lang="zh-CN" altLang="en-US" dirty="0" smtClean="0"/>
+              <a:t>，包含在</a:t>
+            </a:r>
+            <a:r>
+              <a:rPr lang="en-US" altLang="zh-CN" dirty="0" smtClean="0"/>
+              <a:t>dag</a:t>
+            </a:r>
+            <a:r>
+              <a:rPr lang="zh-CN" altLang="en-US" dirty="0" smtClean="0"/>
+              <a:t>里</a:t>
+            </a:r>
+            <a:endParaRPr lang="en-US" altLang="zh-CN" dirty="0" smtClean="0"/>
           </a:p>
           <a:p>
             <a:pPr lvl="2"/>
@@ -3428,7 +3441,7 @@
             <a:endParaRPr lang="en-US" altLang="zh-CN" dirty="0" smtClean="0"/>
           </a:p>
           <a:p>
-            <a:pPr lvl="2"/>
+            <a:pPr lvl="1"/>
             <a:r>
               <a:rPr lang="en-US" altLang="zh-CN" dirty="0" smtClean="0"/>
               <a:t>Switch.py  </a:t>
@@ -3437,6 +3450,26 @@
               <a:rPr lang="zh-CN" altLang="en-US" dirty="0" smtClean="0"/>
               <a:t>网络使用情况</a:t>
             </a:r>
+            <a:endParaRPr lang="en-US" altLang="zh-CN" dirty="0" smtClean="0"/>
+          </a:p>
+          <a:p>
+            <a:pPr lvl="2"/>
+            <a:r>
+              <a:rPr lang="en-US" altLang="zh-CN" dirty="0"/>
+              <a:t>Machine.py </a:t>
+            </a:r>
+            <a:r>
+              <a:rPr lang="zh-CN" altLang="en-US" dirty="0"/>
+              <a:t>一个</a:t>
+            </a:r>
+            <a:r>
+              <a:rPr lang="zh-CN" altLang="en-US" dirty="0" smtClean="0"/>
+              <a:t>机器，计算能力，带宽能力</a:t>
+            </a:r>
+            <a:endParaRPr lang="en-US" altLang="zh-CN" dirty="0"/>
+          </a:p>
+          <a:p>
+            <a:pPr lvl="2"/>
             <a:endParaRPr lang="en-US" altLang="zh-CN" dirty="0" smtClean="0"/>
           </a:p>
           <a:p>

--- a/document/microflow.pptx
+++ b/document/microflow.pptx
@@ -253,7 +253,7 @@
           <a:p>
             <a:fld id="{C76F50B8-0E05-42CA-B357-B3E3A76401A2}" type="datetimeFigureOut">
               <a:rPr lang="zh-CN" altLang="en-US" smtClean="0"/>
-              <a:t>2018/12/18</a:t>
+              <a:t>2018/12/22</a:t>
             </a:fld>
             <a:endParaRPr lang="zh-CN" altLang="en-US"/>
           </a:p>
@@ -423,7 +423,7 @@
           <a:p>
             <a:fld id="{C76F50B8-0E05-42CA-B357-B3E3A76401A2}" type="datetimeFigureOut">
               <a:rPr lang="zh-CN" altLang="en-US" smtClean="0"/>
-              <a:t>2018/12/18</a:t>
+              <a:t>2018/12/22</a:t>
             </a:fld>
             <a:endParaRPr lang="zh-CN" altLang="en-US"/>
           </a:p>
@@ -603,7 +603,7 @@
           <a:p>
             <a:fld id="{C76F50B8-0E05-42CA-B357-B3E3A76401A2}" type="datetimeFigureOut">
               <a:rPr lang="zh-CN" altLang="en-US" smtClean="0"/>
-              <a:t>2018/12/18</a:t>
+              <a:t>2018/12/22</a:t>
             </a:fld>
             <a:endParaRPr lang="zh-CN" altLang="en-US"/>
           </a:p>
@@ -773,7 +773,7 @@
           <a:p>
             <a:fld id="{C76F50B8-0E05-42CA-B357-B3E3A76401A2}" type="datetimeFigureOut">
               <a:rPr lang="zh-CN" altLang="en-US" smtClean="0"/>
-              <a:t>2018/12/18</a:t>
+              <a:t>2018/12/22</a:t>
             </a:fld>
             <a:endParaRPr lang="zh-CN" altLang="en-US"/>
           </a:p>
@@ -1019,7 +1019,7 @@
           <a:p>
             <a:fld id="{C76F50B8-0E05-42CA-B357-B3E3A76401A2}" type="datetimeFigureOut">
               <a:rPr lang="zh-CN" altLang="en-US" smtClean="0"/>
-              <a:t>2018/12/18</a:t>
+              <a:t>2018/12/22</a:t>
             </a:fld>
             <a:endParaRPr lang="zh-CN" altLang="en-US"/>
           </a:p>
@@ -1251,7 +1251,7 @@
           <a:p>
             <a:fld id="{C76F50B8-0E05-42CA-B357-B3E3A76401A2}" type="datetimeFigureOut">
               <a:rPr lang="zh-CN" altLang="en-US" smtClean="0"/>
-              <a:t>2018/12/18</a:t>
+              <a:t>2018/12/22</a:t>
             </a:fld>
             <a:endParaRPr lang="zh-CN" altLang="en-US"/>
           </a:p>
@@ -1618,7 +1618,7 @@
           <a:p>
             <a:fld id="{C76F50B8-0E05-42CA-B357-B3E3A76401A2}" type="datetimeFigureOut">
               <a:rPr lang="zh-CN" altLang="en-US" smtClean="0"/>
-              <a:t>2018/12/18</a:t>
+              <a:t>2018/12/22</a:t>
             </a:fld>
             <a:endParaRPr lang="zh-CN" altLang="en-US"/>
           </a:p>
@@ -1736,7 +1736,7 @@
           <a:p>
             <a:fld id="{C76F50B8-0E05-42CA-B357-B3E3A76401A2}" type="datetimeFigureOut">
               <a:rPr lang="zh-CN" altLang="en-US" smtClean="0"/>
-              <a:t>2018/12/18</a:t>
+              <a:t>2018/12/22</a:t>
             </a:fld>
             <a:endParaRPr lang="zh-CN" altLang="en-US"/>
           </a:p>
@@ -1831,7 +1831,7 @@
           <a:p>
             <a:fld id="{C76F50B8-0E05-42CA-B357-B3E3A76401A2}" type="datetimeFigureOut">
               <a:rPr lang="zh-CN" altLang="en-US" smtClean="0"/>
-              <a:t>2018/12/18</a:t>
+              <a:t>2018/12/22</a:t>
             </a:fld>
             <a:endParaRPr lang="zh-CN" altLang="en-US"/>
           </a:p>
@@ -2108,7 +2108,7 @@
           <a:p>
             <a:fld id="{C76F50B8-0E05-42CA-B357-B3E3A76401A2}" type="datetimeFigureOut">
               <a:rPr lang="zh-CN" altLang="en-US" smtClean="0"/>
-              <a:t>2018/12/18</a:t>
+              <a:t>2018/12/22</a:t>
             </a:fld>
             <a:endParaRPr lang="zh-CN" altLang="en-US"/>
           </a:p>
@@ -2361,7 +2361,7 @@
           <a:p>
             <a:fld id="{C76F50B8-0E05-42CA-B357-B3E3A76401A2}" type="datetimeFigureOut">
               <a:rPr lang="zh-CN" altLang="en-US" smtClean="0"/>
-              <a:t>2018/12/18</a:t>
+              <a:t>2018/12/22</a:t>
             </a:fld>
             <a:endParaRPr lang="zh-CN" altLang="en-US"/>
           </a:p>
@@ -2574,7 +2574,7 @@
           <a:p>
             <a:fld id="{C76F50B8-0E05-42CA-B357-B3E3A76401A2}" type="datetimeFigureOut">
               <a:rPr lang="zh-CN" altLang="en-US" smtClean="0"/>
-              <a:t>2018/12/18</a:t>
+              <a:t>2018/12/22</a:t>
             </a:fld>
             <a:endParaRPr lang="zh-CN" altLang="en-US"/>
           </a:p>
@@ -3294,7 +3294,7 @@
             <a:pPr lvl="1"/>
             <a:r>
               <a:rPr lang="en-US" altLang="zh-CN" dirty="0" smtClean="0"/>
-              <a:t>JobCollection.py  </a:t>
+              <a:t>JobSet.py  </a:t>
             </a:r>
             <a:r>
               <a:rPr lang="zh-CN" altLang="en-US" dirty="0" smtClean="0"/>
@@ -3417,7 +3417,7 @@
             <a:pPr lvl="2"/>
             <a:r>
               <a:rPr lang="en-US" altLang="zh-CN" dirty="0" smtClean="0"/>
-              <a:t>TraceProducer.py </a:t>
+              <a:t>TracePro.py </a:t>
             </a:r>
             <a:r>
               <a:rPr lang="zh-CN" altLang="en-US" dirty="0"/>
@@ -3451,22 +3451,6 @@
               <a:t>网络使用情况</a:t>
             </a:r>
             <a:endParaRPr lang="en-US" altLang="zh-CN" dirty="0" smtClean="0"/>
-          </a:p>
-          <a:p>
-            <a:pPr lvl="2"/>
-            <a:r>
-              <a:rPr lang="en-US" altLang="zh-CN" dirty="0"/>
-              <a:t>Machine.py </a:t>
-            </a:r>
-            <a:r>
-              <a:rPr lang="zh-CN" altLang="en-US" dirty="0"/>
-              <a:t>一个</a:t>
-            </a:r>
-            <a:r>
-              <a:rPr lang="zh-CN" altLang="en-US" dirty="0" smtClean="0"/>
-              <a:t>机器，计算能力，带宽能力</a:t>
-            </a:r>
-            <a:endParaRPr lang="en-US" altLang="zh-CN" dirty="0"/>
           </a:p>
           <a:p>
             <a:pPr lvl="2"/>
@@ -6527,15 +6511,7 @@
           <a:p>
             <a:r>
               <a:rPr lang="zh-CN" altLang="en-US" dirty="0" smtClean="0"/>
-              <a:t>使用</a:t>
-            </a:r>
-            <a:r>
-              <a:rPr lang="zh-CN" altLang="en-US" dirty="0" smtClean="0"/>
-              <a:t>模拟器</a:t>
-            </a:r>
-            <a:r>
-              <a:rPr lang="zh-CN" altLang="en-US" dirty="0" smtClean="0"/>
-              <a:t>实现</a:t>
+              <a:t>使用模拟器实现</a:t>
             </a:r>
             <a:endParaRPr lang="en-US" altLang="zh-CN" dirty="0" smtClean="0"/>
           </a:p>
@@ -6658,22 +6634,14 @@
             </a:r>
             <a:r>
               <a:rPr lang="zh-CN" altLang="en-US" dirty="0" smtClean="0"/>
-              <a:t>，申请发送</a:t>
-            </a:r>
-            <a:r>
-              <a:rPr lang="zh-CN" altLang="en-US" dirty="0" smtClean="0"/>
-              <a:t>，</a:t>
+              <a:t>，申请发送，</a:t>
             </a:r>
             <a:endParaRPr lang="en-US" altLang="zh-CN" dirty="0" smtClean="0"/>
           </a:p>
           <a:p>
             <a:r>
               <a:rPr lang="en-US" altLang="zh-CN" dirty="0" smtClean="0"/>
-              <a:t>2</a:t>
-            </a:r>
-            <a:r>
-              <a:rPr lang="en-US" altLang="zh-CN" dirty="0" smtClean="0"/>
-              <a:t>,</a:t>
+              <a:t>2,</a:t>
             </a:r>
             <a:r>
               <a:rPr lang="zh-CN" altLang="en-US" dirty="0" smtClean="0"/>
@@ -6831,15 +6799,7 @@
             </a:r>
             <a:r>
               <a:rPr lang="zh-CN" altLang="en-US" dirty="0" smtClean="0"/>
-              <a:t>无法优化单任务</a:t>
-            </a:r>
-            <a:r>
-              <a:rPr lang="zh-CN" altLang="en-US" dirty="0" smtClean="0"/>
-              <a:t>，启发算法</a:t>
-            </a:r>
-            <a:r>
-              <a:rPr lang="zh-CN" altLang="en-US" dirty="0" smtClean="0"/>
-              <a:t>下界等）</a:t>
+              <a:t>无法优化单任务，启发算法下界等）</a:t>
             </a:r>
             <a:endParaRPr lang="en-US" altLang="zh-CN" dirty="0" smtClean="0"/>
           </a:p>
